--- a/docs/AI Infra Summit 2025 - Donald Thompson.pptx
+++ b/docs/AI Infra Summit 2025 - Donald Thompson.pptx
@@ -7,11 +7,23 @@
   <p:sldIdLst>
     <p:sldId id="257" r:id="rId5"/>
     <p:sldId id="259" r:id="rId6"/>
-    <p:sldId id="260" r:id="rId7"/>
-    <p:sldId id="263" r:id="rId8"/>
-    <p:sldId id="264" r:id="rId9"/>
-    <p:sldId id="258" r:id="rId10"/>
-    <p:sldId id="261" r:id="rId11"/>
+    <p:sldId id="265" r:id="rId7"/>
+    <p:sldId id="260" r:id="rId8"/>
+    <p:sldId id="263" r:id="rId9"/>
+    <p:sldId id="266" r:id="rId10"/>
+    <p:sldId id="268" r:id="rId11"/>
+    <p:sldId id="267" r:id="rId12"/>
+    <p:sldId id="264" r:id="rId13"/>
+    <p:sldId id="269" r:id="rId14"/>
+    <p:sldId id="270" r:id="rId15"/>
+    <p:sldId id="271" r:id="rId16"/>
+    <p:sldId id="272" r:id="rId17"/>
+    <p:sldId id="273" r:id="rId18"/>
+    <p:sldId id="274" r:id="rId19"/>
+    <p:sldId id="275" r:id="rId20"/>
+    <p:sldId id="276" r:id="rId21"/>
+    <p:sldId id="277" r:id="rId22"/>
+    <p:sldId id="278" r:id="rId23"/>
   </p:sldIdLst>
   <p:sldSz cx="12192000" cy="6858000"/>
   <p:notesSz cx="6858000" cy="9144000"/>
@@ -3204,6 +3216,2255 @@
 </p:sld>
 </file>
 
+<file path=ppt/slides/slide10.xml><?xml version="1.0" encoding="utf-8"?>
+<p:sld xmlns:a="http://schemas.openxmlformats.org/drawingml/2006/main" xmlns:r="http://schemas.openxmlformats.org/officeDocument/2006/relationships" xmlns:p="http://schemas.openxmlformats.org/presentationml/2006/main">
+  <p:cSld>
+    <p:spTree>
+      <p:nvGrpSpPr>
+        <p:cNvPr id="1" name="">
+          <a:extLst>
+            <a:ext uri="{FF2B5EF4-FFF2-40B4-BE49-F238E27FC236}">
+              <a16:creationId xmlns:a16="http://schemas.microsoft.com/office/drawing/2014/main" id="{59BA2D1E-0A51-2335-57F1-E89733F32000}"/>
+            </a:ext>
+          </a:extLst>
+        </p:cNvPr>
+        <p:cNvGrpSpPr/>
+        <p:nvPr/>
+      </p:nvGrpSpPr>
+      <p:grpSpPr>
+        <a:xfrm>
+          <a:off x="0" y="0"/>
+          <a:ext cx="0" cy="0"/>
+          <a:chOff x="0" y="0"/>
+          <a:chExt cx="0" cy="0"/>
+        </a:xfrm>
+      </p:grpSpPr>
+      <p:pic>
+        <p:nvPicPr>
+          <p:cNvPr id="7" name="Picture 6">
+            <a:extLst>
+              <a:ext uri="{FF2B5EF4-FFF2-40B4-BE49-F238E27FC236}">
+                <a16:creationId xmlns:a16="http://schemas.microsoft.com/office/drawing/2014/main" id="{9F34D009-1EA4-D169-F082-D7266311FA4F}"/>
+              </a:ext>
+            </a:extLst>
+          </p:cNvPr>
+          <p:cNvPicPr>
+            <a:picLocks noChangeAspect="1"/>
+          </p:cNvPicPr>
+          <p:nvPr/>
+        </p:nvPicPr>
+        <p:blipFill>
+          <a:blip r:embed="rId2">
+            <a:extLst>
+              <a:ext uri="{28A0092B-C50C-407E-A947-70E740481C1C}">
+                <a14:useLocalDpi xmlns:a14="http://schemas.microsoft.com/office/drawing/2010/main" val="0"/>
+              </a:ext>
+            </a:extLst>
+          </a:blip>
+          <a:srcRect/>
+          <a:stretch/>
+        </p:blipFill>
+        <p:spPr>
+          <a:xfrm>
+            <a:off x="3259810" y="1910166"/>
+            <a:ext cx="5672380" cy="3037668"/>
+          </a:xfrm>
+          <a:prstGeom prst="rect">
+            <a:avLst/>
+          </a:prstGeom>
+        </p:spPr>
+      </p:pic>
+      <p:sp>
+        <p:nvSpPr>
+          <p:cNvPr id="4" name="Title 3">
+            <a:extLst>
+              <a:ext uri="{FF2B5EF4-FFF2-40B4-BE49-F238E27FC236}">
+                <a16:creationId xmlns:a16="http://schemas.microsoft.com/office/drawing/2014/main" id="{8327D8F2-61AC-ECD9-45E6-6D0F0D3EBB09}"/>
+              </a:ext>
+            </a:extLst>
+          </p:cNvPr>
+          <p:cNvSpPr>
+            <a:spLocks noGrp="1"/>
+          </p:cNvSpPr>
+          <p:nvPr>
+            <p:ph type="title"/>
+          </p:nvPr>
+        </p:nvSpPr>
+        <p:spPr/>
+        <p:txBody>
+          <a:bodyPr/>
+          <a:lstStyle/>
+          <a:p>
+            <a:r>
+              <a:rPr lang="en-US" dirty="0"/>
+              <a:t>Architecture Spectrum: Local</a:t>
+            </a:r>
+          </a:p>
+        </p:txBody>
+      </p:sp>
+      <p:sp>
+        <p:nvSpPr>
+          <p:cNvPr id="5" name="Content Placeholder 4">
+            <a:extLst>
+              <a:ext uri="{FF2B5EF4-FFF2-40B4-BE49-F238E27FC236}">
+                <a16:creationId xmlns:a16="http://schemas.microsoft.com/office/drawing/2014/main" id="{DEB7AA9D-DFF1-DCE1-743A-56E5BFFD6498}"/>
+              </a:ext>
+            </a:extLst>
+          </p:cNvPr>
+          <p:cNvSpPr>
+            <a:spLocks noGrp="1"/>
+          </p:cNvSpPr>
+          <p:nvPr>
+            <p:ph sz="quarter" idx="10"/>
+          </p:nvPr>
+        </p:nvSpPr>
+        <p:spPr>
+          <a:xfrm>
+            <a:off x="838200" y="4688237"/>
+            <a:ext cx="10515600" cy="1601726"/>
+          </a:xfrm>
+        </p:spPr>
+        <p:txBody>
+          <a:bodyPr/>
+          <a:lstStyle/>
+          <a:p>
+            <a:r>
+              <a:rPr lang="en-US" b="1" dirty="0"/>
+              <a:t>Latency</a:t>
+            </a:r>
+            <a:r>
+              <a:rPr lang="en-US" dirty="0"/>
+              <a:t>:~10-100ms</a:t>
+            </a:r>
+            <a:endParaRPr lang="en-US" b="1" dirty="0"/>
+          </a:p>
+          <a:p>
+            <a:r>
+              <a:rPr lang="en-US" b="1" dirty="0"/>
+              <a:t>Examples</a:t>
+            </a:r>
+            <a:r>
+              <a:rPr lang="en-US" dirty="0"/>
+              <a:t>: </a:t>
+            </a:r>
+            <a:r>
+              <a:rPr lang="en-US" dirty="0" err="1"/>
+              <a:t>LangGraph</a:t>
+            </a:r>
+            <a:r>
+              <a:rPr lang="en-US" dirty="0"/>
+              <a:t>, </a:t>
+            </a:r>
+            <a:r>
+              <a:rPr lang="en-US" dirty="0" err="1"/>
+              <a:t>CrewAI</a:t>
+            </a:r>
+            <a:r>
+              <a:rPr lang="en-US" dirty="0"/>
+              <a:t>, </a:t>
+            </a:r>
+            <a:r>
+              <a:rPr lang="en-US" dirty="0" err="1"/>
+              <a:t>SmolAgents</a:t>
+            </a:r>
+            <a:r>
+              <a:rPr lang="en-US" dirty="0"/>
+              <a:t>, </a:t>
+            </a:r>
+            <a:r>
+              <a:rPr lang="en-US" dirty="0" err="1"/>
+              <a:t>LlamaIndex</a:t>
+            </a:r>
+            <a:endParaRPr lang="en-US" b="1" dirty="0"/>
+          </a:p>
+          <a:p>
+            <a:r>
+              <a:rPr lang="en-US" b="1" dirty="0"/>
+              <a:t>Use case</a:t>
+            </a:r>
+            <a:r>
+              <a:rPr lang="en-US" dirty="0"/>
+              <a:t>: Prototyping, small-scale deployment</a:t>
+            </a:r>
+            <a:endParaRPr lang="en-US" b="1" dirty="0"/>
+          </a:p>
+        </p:txBody>
+      </p:sp>
+    </p:spTree>
+    <p:extLst>
+      <p:ext uri="{BB962C8B-B14F-4D97-AF65-F5344CB8AC3E}">
+        <p14:creationId xmlns:p14="http://schemas.microsoft.com/office/powerpoint/2010/main" val="2295262883"/>
+      </p:ext>
+    </p:extLst>
+  </p:cSld>
+  <p:clrMapOvr>
+    <a:masterClrMapping/>
+  </p:clrMapOvr>
+</p:sld>
+</file>
+
+<file path=ppt/slides/slide11.xml><?xml version="1.0" encoding="utf-8"?>
+<p:sld xmlns:a="http://schemas.openxmlformats.org/drawingml/2006/main" xmlns:r="http://schemas.openxmlformats.org/officeDocument/2006/relationships" xmlns:p="http://schemas.openxmlformats.org/presentationml/2006/main">
+  <p:cSld>
+    <p:spTree>
+      <p:nvGrpSpPr>
+        <p:cNvPr id="1" name="">
+          <a:extLst>
+            <a:ext uri="{FF2B5EF4-FFF2-40B4-BE49-F238E27FC236}">
+              <a16:creationId xmlns:a16="http://schemas.microsoft.com/office/drawing/2014/main" id="{305B1965-2261-28D4-E102-4A5957A1D135}"/>
+            </a:ext>
+          </a:extLst>
+        </p:cNvPr>
+        <p:cNvGrpSpPr/>
+        <p:nvPr/>
+      </p:nvGrpSpPr>
+      <p:grpSpPr>
+        <a:xfrm>
+          <a:off x="0" y="0"/>
+          <a:ext cx="0" cy="0"/>
+          <a:chOff x="0" y="0"/>
+          <a:chExt cx="0" cy="0"/>
+        </a:xfrm>
+      </p:grpSpPr>
+      <p:pic>
+        <p:nvPicPr>
+          <p:cNvPr id="7" name="Picture 6">
+            <a:extLst>
+              <a:ext uri="{FF2B5EF4-FFF2-40B4-BE49-F238E27FC236}">
+                <a16:creationId xmlns:a16="http://schemas.microsoft.com/office/drawing/2014/main" id="{EE8D75CD-2EA9-2966-282A-159835CD7519}"/>
+              </a:ext>
+            </a:extLst>
+          </p:cNvPr>
+          <p:cNvPicPr>
+            <a:picLocks noChangeAspect="1"/>
+          </p:cNvPicPr>
+          <p:nvPr/>
+        </p:nvPicPr>
+        <p:blipFill>
+          <a:blip r:embed="rId2">
+            <a:extLst>
+              <a:ext uri="{28A0092B-C50C-407E-A947-70E740481C1C}">
+                <a14:useLocalDpi xmlns:a14="http://schemas.microsoft.com/office/drawing/2010/main" val="0"/>
+              </a:ext>
+            </a:extLst>
+          </a:blip>
+          <a:srcRect/>
+          <a:stretch/>
+        </p:blipFill>
+        <p:spPr>
+          <a:xfrm>
+            <a:off x="3325323" y="1757773"/>
+            <a:ext cx="5541354" cy="3079087"/>
+          </a:xfrm>
+          <a:prstGeom prst="rect">
+            <a:avLst/>
+          </a:prstGeom>
+        </p:spPr>
+      </p:pic>
+      <p:sp>
+        <p:nvSpPr>
+          <p:cNvPr id="4" name="Title 3">
+            <a:extLst>
+              <a:ext uri="{FF2B5EF4-FFF2-40B4-BE49-F238E27FC236}">
+                <a16:creationId xmlns:a16="http://schemas.microsoft.com/office/drawing/2014/main" id="{1ADF4D30-11A9-26E8-2EFB-55BF75377A0C}"/>
+              </a:ext>
+            </a:extLst>
+          </p:cNvPr>
+          <p:cNvSpPr>
+            <a:spLocks noGrp="1"/>
+          </p:cNvSpPr>
+          <p:nvPr>
+            <p:ph type="title"/>
+          </p:nvPr>
+        </p:nvSpPr>
+        <p:spPr/>
+        <p:txBody>
+          <a:bodyPr/>
+          <a:lstStyle/>
+          <a:p>
+            <a:r>
+              <a:rPr lang="en-US" dirty="0"/>
+              <a:t>Architecture Spectrum: Distributed</a:t>
+            </a:r>
+          </a:p>
+        </p:txBody>
+      </p:sp>
+      <p:sp>
+        <p:nvSpPr>
+          <p:cNvPr id="5" name="Content Placeholder 4">
+            <a:extLst>
+              <a:ext uri="{FF2B5EF4-FFF2-40B4-BE49-F238E27FC236}">
+                <a16:creationId xmlns:a16="http://schemas.microsoft.com/office/drawing/2014/main" id="{803C7D99-58E0-8313-7CAC-EDBAD59B0F30}"/>
+              </a:ext>
+            </a:extLst>
+          </p:cNvPr>
+          <p:cNvSpPr>
+            <a:spLocks noGrp="1"/>
+          </p:cNvSpPr>
+          <p:nvPr>
+            <p:ph sz="quarter" idx="10"/>
+          </p:nvPr>
+        </p:nvSpPr>
+        <p:spPr>
+          <a:xfrm>
+            <a:off x="838200" y="4750231"/>
+            <a:ext cx="10515600" cy="1539732"/>
+          </a:xfrm>
+        </p:spPr>
+        <p:txBody>
+          <a:bodyPr>
+            <a:normAutofit fontScale="85000" lnSpcReduction="10000"/>
+          </a:bodyPr>
+          <a:lstStyle/>
+          <a:p>
+            <a:pPr>
+              <a:lnSpc>
+                <a:spcPct val="120000"/>
+              </a:lnSpc>
+            </a:pPr>
+            <a:r>
+              <a:rPr lang="en-US" b="1" dirty="0"/>
+              <a:t>Latency</a:t>
+            </a:r>
+            <a:r>
+              <a:rPr lang="en-US" dirty="0"/>
+              <a:t>:~100ms-1ms per hop</a:t>
+            </a:r>
+            <a:endParaRPr lang="en-US" b="1" dirty="0"/>
+          </a:p>
+          <a:p>
+            <a:pPr>
+              <a:lnSpc>
+                <a:spcPct val="120000"/>
+              </a:lnSpc>
+            </a:pPr>
+            <a:r>
+              <a:rPr lang="en-US" b="1" dirty="0"/>
+              <a:t>Examples</a:t>
+            </a:r>
+            <a:r>
+              <a:rPr lang="en-US" dirty="0"/>
+              <a:t>: </a:t>
+            </a:r>
+            <a:r>
+              <a:rPr lang="en-US" dirty="0" err="1"/>
+              <a:t>AutoGen</a:t>
+            </a:r>
+            <a:r>
+              <a:rPr lang="en-US" dirty="0"/>
+              <a:t> (distributed mode), Ray, Temporal</a:t>
+            </a:r>
+            <a:endParaRPr lang="en-US" b="1" dirty="0"/>
+          </a:p>
+          <a:p>
+            <a:pPr>
+              <a:lnSpc>
+                <a:spcPct val="120000"/>
+              </a:lnSpc>
+            </a:pPr>
+            <a:r>
+              <a:rPr lang="en-US" b="1" dirty="0"/>
+              <a:t>LinkedIn </a:t>
+            </a:r>
+            <a:r>
+              <a:rPr lang="en-US" b="1" dirty="0" err="1"/>
+              <a:t>AgentsOS</a:t>
+            </a:r>
+            <a:r>
+              <a:rPr lang="en-US" dirty="0"/>
+              <a:t>: Custom messaging infrastructure for agent coordination</a:t>
+            </a:r>
+            <a:endParaRPr lang="en-US" b="1" dirty="0"/>
+          </a:p>
+        </p:txBody>
+      </p:sp>
+    </p:spTree>
+    <p:extLst>
+      <p:ext uri="{BB962C8B-B14F-4D97-AF65-F5344CB8AC3E}">
+        <p14:creationId xmlns:p14="http://schemas.microsoft.com/office/powerpoint/2010/main" val="952626860"/>
+      </p:ext>
+    </p:extLst>
+  </p:cSld>
+  <p:clrMapOvr>
+    <a:masterClrMapping/>
+  </p:clrMapOvr>
+</p:sld>
+</file>
+
+<file path=ppt/slides/slide12.xml><?xml version="1.0" encoding="utf-8"?>
+<p:sld xmlns:a="http://schemas.openxmlformats.org/drawingml/2006/main" xmlns:r="http://schemas.openxmlformats.org/officeDocument/2006/relationships" xmlns:p="http://schemas.openxmlformats.org/presentationml/2006/main">
+  <p:cSld>
+    <p:spTree>
+      <p:nvGrpSpPr>
+        <p:cNvPr id="1" name="">
+          <a:extLst>
+            <a:ext uri="{FF2B5EF4-FFF2-40B4-BE49-F238E27FC236}">
+              <a16:creationId xmlns:a16="http://schemas.microsoft.com/office/drawing/2014/main" id="{1139A0C9-03D0-3A73-0043-093F6172C5E6}"/>
+            </a:ext>
+          </a:extLst>
+        </p:cNvPr>
+        <p:cNvGrpSpPr/>
+        <p:nvPr/>
+      </p:nvGrpSpPr>
+      <p:grpSpPr>
+        <a:xfrm>
+          <a:off x="0" y="0"/>
+          <a:ext cx="0" cy="0"/>
+          <a:chOff x="0" y="0"/>
+          <a:chExt cx="0" cy="0"/>
+        </a:xfrm>
+      </p:grpSpPr>
+      <p:sp>
+        <p:nvSpPr>
+          <p:cNvPr id="4" name="Title 3">
+            <a:extLst>
+              <a:ext uri="{FF2B5EF4-FFF2-40B4-BE49-F238E27FC236}">
+                <a16:creationId xmlns:a16="http://schemas.microsoft.com/office/drawing/2014/main" id="{D3A080F8-3FCD-6171-2C9E-7537701FA3D6}"/>
+              </a:ext>
+            </a:extLst>
+          </p:cNvPr>
+          <p:cNvSpPr>
+            <a:spLocks noGrp="1"/>
+          </p:cNvSpPr>
+          <p:nvPr>
+            <p:ph type="title"/>
+          </p:nvPr>
+        </p:nvSpPr>
+        <p:spPr/>
+        <p:txBody>
+          <a:bodyPr/>
+          <a:lstStyle/>
+          <a:p>
+            <a:r>
+              <a:rPr lang="en-US" dirty="0"/>
+              <a:t>Architecture Spectrum: Declarative</a:t>
+            </a:r>
+          </a:p>
+        </p:txBody>
+      </p:sp>
+      <p:sp>
+        <p:nvSpPr>
+          <p:cNvPr id="5" name="Content Placeholder 4">
+            <a:extLst>
+              <a:ext uri="{FF2B5EF4-FFF2-40B4-BE49-F238E27FC236}">
+                <a16:creationId xmlns:a16="http://schemas.microsoft.com/office/drawing/2014/main" id="{A5CE392C-B1C9-8440-6FCB-151CDD3D050B}"/>
+              </a:ext>
+            </a:extLst>
+          </p:cNvPr>
+          <p:cNvSpPr>
+            <a:spLocks noGrp="1"/>
+          </p:cNvSpPr>
+          <p:nvPr>
+            <p:ph sz="quarter" idx="10"/>
+          </p:nvPr>
+        </p:nvSpPr>
+        <p:spPr>
+          <a:xfrm>
+            <a:off x="768831" y="2391710"/>
+            <a:ext cx="3986049" cy="1539732"/>
+          </a:xfrm>
+        </p:spPr>
+        <p:txBody>
+          <a:bodyPr>
+            <a:normAutofit fontScale="92500" lnSpcReduction="10000"/>
+          </a:bodyPr>
+          <a:lstStyle/>
+          <a:p>
+            <a:pPr marL="0" indent="0">
+              <a:lnSpc>
+                <a:spcPct val="120000"/>
+              </a:lnSpc>
+              <a:buNone/>
+            </a:pPr>
+            <a:r>
+              <a:rPr lang="en-US" sz="1600" b="1" dirty="0"/>
+              <a:t>Low-Code/No-Code Agent Configuration</a:t>
+            </a:r>
+          </a:p>
+          <a:p>
+            <a:pPr marL="0" indent="0">
+              <a:lnSpc>
+                <a:spcPct val="120000"/>
+              </a:lnSpc>
+              <a:buNone/>
+            </a:pPr>
+            <a:r>
+              <a:rPr lang="en-US" sz="1600" dirty="0"/>
+              <a:t>Agents defined through drag-and-drop interfaces, YAML/JSON configs, or simple prompt + tool specifications. No programming required.</a:t>
+            </a:r>
+          </a:p>
+        </p:txBody>
+      </p:sp>
+      <p:pic>
+        <p:nvPicPr>
+          <p:cNvPr id="2" name="Picture 1" descr="Step-by-Step: Build a Multi-AI Agent System with n8n - YouTube">
+            <a:extLst>
+              <a:ext uri="{FF2B5EF4-FFF2-40B4-BE49-F238E27FC236}">
+                <a16:creationId xmlns:a16="http://schemas.microsoft.com/office/drawing/2014/main" id="{890AD3B9-E179-C55F-2BBC-96DB5CF814CE}"/>
+              </a:ext>
+            </a:extLst>
+          </p:cNvPr>
+          <p:cNvPicPr>
+            <a:picLocks noChangeAspect="1"/>
+          </p:cNvPicPr>
+          <p:nvPr/>
+        </p:nvPicPr>
+        <p:blipFill>
+          <a:blip r:embed="rId2"/>
+          <a:srcRect t="26026"/>
+          <a:stretch>
+            <a:fillRect/>
+          </a:stretch>
+        </p:blipFill>
+        <p:spPr>
+          <a:xfrm>
+            <a:off x="4855778" y="2107102"/>
+            <a:ext cx="6820951" cy="2838238"/>
+          </a:xfrm>
+          <a:prstGeom prst="rect">
+            <a:avLst/>
+          </a:prstGeom>
+          <a:ln w="38100" cap="sq">
+            <a:solidFill>
+              <a:srgbClr val="000000"/>
+            </a:solidFill>
+            <a:prstDash val="solid"/>
+            <a:miter lim="800000"/>
+          </a:ln>
+          <a:effectLst>
+            <a:outerShdw blurRad="50800" dist="38100" dir="2700000" algn="tl" rotWithShape="0">
+              <a:srgbClr val="000000">
+                <a:alpha val="43000"/>
+              </a:srgbClr>
+            </a:outerShdw>
+          </a:effectLst>
+        </p:spPr>
+      </p:pic>
+      <p:sp>
+        <p:nvSpPr>
+          <p:cNvPr id="6" name="TextBox 5">
+            <a:extLst>
+              <a:ext uri="{FF2B5EF4-FFF2-40B4-BE49-F238E27FC236}">
+                <a16:creationId xmlns:a16="http://schemas.microsoft.com/office/drawing/2014/main" id="{5544F085-4CF6-0DD6-3410-7B007C205BFF}"/>
+              </a:ext>
+            </a:extLst>
+          </p:cNvPr>
+          <p:cNvSpPr txBox="1"/>
+          <p:nvPr/>
+        </p:nvSpPr>
+        <p:spPr>
+          <a:xfrm>
+            <a:off x="838200" y="5091344"/>
+            <a:ext cx="10046313" cy="809709"/>
+          </a:xfrm>
+          <a:prstGeom prst="rect">
+            <a:avLst/>
+          </a:prstGeom>
+          <a:noFill/>
+        </p:spPr>
+        <p:txBody>
+          <a:bodyPr wrap="square">
+            <a:spAutoFit/>
+          </a:bodyPr>
+          <a:lstStyle/>
+          <a:p>
+            <a:pPr marL="285750" indent="-285750">
+              <a:lnSpc>
+                <a:spcPct val="120000"/>
+              </a:lnSpc>
+              <a:buFont typeface="Arial" panose="020B0604020202020204" pitchFamily="34" charset="0"/>
+              <a:buChar char="•"/>
+            </a:pPr>
+            <a:r>
+              <a:rPr lang="en-US" sz="2000" b="1" dirty="0"/>
+              <a:t>Examples</a:t>
+            </a:r>
+            <a:r>
+              <a:rPr lang="en-US" sz="2000" dirty="0"/>
+              <a:t>: n8n, Copilot Studio, </a:t>
+            </a:r>
+            <a:r>
+              <a:rPr lang="en-US" sz="2000" dirty="0" err="1"/>
+              <a:t>Flowise</a:t>
+            </a:r>
+            <a:r>
+              <a:rPr lang="en-US" sz="2000" dirty="0"/>
+              <a:t>, </a:t>
+            </a:r>
+            <a:r>
+              <a:rPr lang="en-US" sz="2000" dirty="0" err="1"/>
+              <a:t>LangFlow</a:t>
+            </a:r>
+            <a:endParaRPr lang="en-US" sz="2000" b="1" dirty="0"/>
+          </a:p>
+          <a:p>
+            <a:pPr marL="285750" indent="-285750">
+              <a:lnSpc>
+                <a:spcPct val="120000"/>
+              </a:lnSpc>
+              <a:buFont typeface="Arial" panose="020B0604020202020204" pitchFamily="34" charset="0"/>
+              <a:buChar char="•"/>
+            </a:pPr>
+            <a:r>
+              <a:rPr lang="en-US" sz="2000" b="1" dirty="0"/>
+              <a:t>Trade-offs</a:t>
+            </a:r>
+            <a:r>
+              <a:rPr lang="en-US" sz="2000" dirty="0"/>
+              <a:t>: Fast to build, limited flexibility, harder to debug</a:t>
+            </a:r>
+            <a:endParaRPr lang="en-US" sz="2000" b="1" dirty="0"/>
+          </a:p>
+        </p:txBody>
+      </p:sp>
+    </p:spTree>
+    <p:extLst>
+      <p:ext uri="{BB962C8B-B14F-4D97-AF65-F5344CB8AC3E}">
+        <p14:creationId xmlns:p14="http://schemas.microsoft.com/office/powerpoint/2010/main" val="680072353"/>
+      </p:ext>
+    </p:extLst>
+  </p:cSld>
+  <p:clrMapOvr>
+    <a:masterClrMapping/>
+  </p:clrMapOvr>
+</p:sld>
+</file>
+
+<file path=ppt/slides/slide13.xml><?xml version="1.0" encoding="utf-8"?>
+<p:sld xmlns:a="http://schemas.openxmlformats.org/drawingml/2006/main" xmlns:r="http://schemas.openxmlformats.org/officeDocument/2006/relationships" xmlns:p="http://schemas.openxmlformats.org/presentationml/2006/main">
+  <p:cSld>
+    <p:spTree>
+      <p:nvGrpSpPr>
+        <p:cNvPr id="1" name="">
+          <a:extLst>
+            <a:ext uri="{FF2B5EF4-FFF2-40B4-BE49-F238E27FC236}">
+              <a16:creationId xmlns:a16="http://schemas.microsoft.com/office/drawing/2014/main" id="{0B1FE318-6D51-4BF8-831D-63979E12F734}"/>
+            </a:ext>
+          </a:extLst>
+        </p:cNvPr>
+        <p:cNvGrpSpPr/>
+        <p:nvPr/>
+      </p:nvGrpSpPr>
+      <p:grpSpPr>
+        <a:xfrm>
+          <a:off x="0" y="0"/>
+          <a:ext cx="0" cy="0"/>
+          <a:chOff x="0" y="0"/>
+          <a:chExt cx="0" cy="0"/>
+        </a:xfrm>
+      </p:grpSpPr>
+      <p:sp>
+        <p:nvSpPr>
+          <p:cNvPr id="4" name="Title 3">
+            <a:extLst>
+              <a:ext uri="{FF2B5EF4-FFF2-40B4-BE49-F238E27FC236}">
+                <a16:creationId xmlns:a16="http://schemas.microsoft.com/office/drawing/2014/main" id="{54F257B0-58B3-5E3D-F0A0-B54FF05AF152}"/>
+              </a:ext>
+            </a:extLst>
+          </p:cNvPr>
+          <p:cNvSpPr>
+            <a:spLocks noGrp="1"/>
+          </p:cNvSpPr>
+          <p:nvPr>
+            <p:ph type="title"/>
+          </p:nvPr>
+        </p:nvSpPr>
+        <p:spPr/>
+        <p:txBody>
+          <a:bodyPr/>
+          <a:lstStyle/>
+          <a:p>
+            <a:r>
+              <a:rPr lang="en-US" dirty="0"/>
+              <a:t>Architecture Spectrum: Custom Engine</a:t>
+            </a:r>
+          </a:p>
+        </p:txBody>
+      </p:sp>
+      <p:sp>
+        <p:nvSpPr>
+          <p:cNvPr id="5" name="Content Placeholder 4">
+            <a:extLst>
+              <a:ext uri="{FF2B5EF4-FFF2-40B4-BE49-F238E27FC236}">
+                <a16:creationId xmlns:a16="http://schemas.microsoft.com/office/drawing/2014/main" id="{2F8962A5-4870-45E7-287E-9A1C92649E07}"/>
+              </a:ext>
+            </a:extLst>
+          </p:cNvPr>
+          <p:cNvSpPr>
+            <a:spLocks noGrp="1"/>
+          </p:cNvSpPr>
+          <p:nvPr>
+            <p:ph sz="quarter" idx="10"/>
+          </p:nvPr>
+        </p:nvSpPr>
+        <p:spPr>
+          <a:xfrm>
+            <a:off x="787749" y="2431553"/>
+            <a:ext cx="10758915" cy="3754836"/>
+          </a:xfrm>
+        </p:spPr>
+        <p:txBody>
+          <a:bodyPr>
+            <a:normAutofit/>
+          </a:bodyPr>
+          <a:lstStyle/>
+          <a:p>
+            <a:pPr marL="0" indent="0">
+              <a:lnSpc>
+                <a:spcPct val="100000"/>
+              </a:lnSpc>
+              <a:buNone/>
+            </a:pPr>
+            <a:r>
+              <a:rPr lang="en-US" b="1" dirty="0"/>
+              <a:t>Full programmatic control over agent behavior</a:t>
+            </a:r>
+          </a:p>
+          <a:p>
+            <a:pPr marL="0" indent="0">
+              <a:lnSpc>
+                <a:spcPct val="100000"/>
+              </a:lnSpc>
+              <a:buNone/>
+            </a:pPr>
+            <a:r>
+              <a:rPr lang="en-US" dirty="0"/>
+              <a:t>Agents implemented as code with complete control over reasoning, state management, tool invocation, and orchestration logic.</a:t>
+            </a:r>
+          </a:p>
+          <a:p>
+            <a:pPr marL="285750" indent="-285750">
+              <a:lnSpc>
+                <a:spcPct val="100000"/>
+              </a:lnSpc>
+            </a:pPr>
+            <a:r>
+              <a:rPr lang="en-US" b="1" dirty="0"/>
+              <a:t>Examples</a:t>
+            </a:r>
+            <a:r>
+              <a:rPr lang="en-US" dirty="0"/>
+              <a:t>: </a:t>
+            </a:r>
+            <a:r>
+              <a:rPr lang="en-US" dirty="0" err="1"/>
+              <a:t>LangGraph</a:t>
+            </a:r>
+            <a:r>
+              <a:rPr lang="en-US" dirty="0"/>
+              <a:t>, </a:t>
+            </a:r>
+            <a:r>
+              <a:rPr lang="en-US" dirty="0" err="1"/>
+              <a:t>CrewAI</a:t>
+            </a:r>
+            <a:r>
+              <a:rPr lang="en-US" dirty="0"/>
+              <a:t>, </a:t>
+            </a:r>
+            <a:r>
+              <a:rPr lang="en-US" dirty="0" err="1"/>
+              <a:t>AutoGen</a:t>
+            </a:r>
+            <a:r>
+              <a:rPr lang="en-US" dirty="0"/>
+              <a:t>, OpenAI Agents SDK</a:t>
+            </a:r>
+            <a:endParaRPr lang="en-US" b="1" dirty="0"/>
+          </a:p>
+          <a:p>
+            <a:pPr marL="285750" indent="-285750">
+              <a:lnSpc>
+                <a:spcPct val="100000"/>
+              </a:lnSpc>
+            </a:pPr>
+            <a:r>
+              <a:rPr lang="en-US" b="1" dirty="0"/>
+              <a:t>Trade-offs</a:t>
+            </a:r>
+            <a:r>
+              <a:rPr lang="en-US" dirty="0"/>
+              <a:t>: Full control, </a:t>
+            </a:r>
+            <a:r>
+              <a:rPr lang="en-US" dirty="0" err="1"/>
+              <a:t>stpeer</a:t>
+            </a:r>
+            <a:r>
+              <a:rPr lang="en-US" dirty="0"/>
+              <a:t> learning curve, more maintenance</a:t>
+            </a:r>
+            <a:endParaRPr lang="en-US" b="1" dirty="0"/>
+          </a:p>
+        </p:txBody>
+      </p:sp>
+    </p:spTree>
+    <p:extLst>
+      <p:ext uri="{BB962C8B-B14F-4D97-AF65-F5344CB8AC3E}">
+        <p14:creationId xmlns:p14="http://schemas.microsoft.com/office/powerpoint/2010/main" val="28571380"/>
+      </p:ext>
+    </p:extLst>
+  </p:cSld>
+  <p:clrMapOvr>
+    <a:masterClrMapping/>
+  </p:clrMapOvr>
+</p:sld>
+</file>
+
+<file path=ppt/slides/slide14.xml><?xml version="1.0" encoding="utf-8"?>
+<p:sld xmlns:a="http://schemas.openxmlformats.org/drawingml/2006/main" xmlns:r="http://schemas.openxmlformats.org/officeDocument/2006/relationships" xmlns:p="http://schemas.openxmlformats.org/presentationml/2006/main">
+  <p:cSld>
+    <p:spTree>
+      <p:nvGrpSpPr>
+        <p:cNvPr id="1" name="">
+          <a:extLst>
+            <a:ext uri="{FF2B5EF4-FFF2-40B4-BE49-F238E27FC236}">
+              <a16:creationId xmlns:a16="http://schemas.microsoft.com/office/drawing/2014/main" id="{402E9B59-3705-C233-0F2D-C001DEF17BBB}"/>
+            </a:ext>
+          </a:extLst>
+        </p:cNvPr>
+        <p:cNvGrpSpPr/>
+        <p:nvPr/>
+      </p:nvGrpSpPr>
+      <p:grpSpPr>
+        <a:xfrm>
+          <a:off x="0" y="0"/>
+          <a:ext cx="0" cy="0"/>
+          <a:chOff x="0" y="0"/>
+          <a:chExt cx="0" cy="0"/>
+        </a:xfrm>
+      </p:grpSpPr>
+      <p:sp>
+        <p:nvSpPr>
+          <p:cNvPr id="4" name="Title 3">
+            <a:extLst>
+              <a:ext uri="{FF2B5EF4-FFF2-40B4-BE49-F238E27FC236}">
+                <a16:creationId xmlns:a16="http://schemas.microsoft.com/office/drawing/2014/main" id="{073AD5A5-CED9-AA51-8491-AC5E41E2B36B}"/>
+              </a:ext>
+            </a:extLst>
+          </p:cNvPr>
+          <p:cNvSpPr>
+            <a:spLocks noGrp="1"/>
+          </p:cNvSpPr>
+          <p:nvPr>
+            <p:ph type="title"/>
+          </p:nvPr>
+        </p:nvSpPr>
+        <p:spPr/>
+        <p:txBody>
+          <a:bodyPr/>
+          <a:lstStyle/>
+          <a:p>
+            <a:r>
+              <a:rPr lang="en-US" dirty="0"/>
+              <a:t>LinkedIn’s </a:t>
+            </a:r>
+            <a:r>
+              <a:rPr lang="en-US" dirty="0" err="1"/>
+              <a:t>AgentsOS</a:t>
+            </a:r>
+            <a:r>
+              <a:rPr lang="en-US" dirty="0"/>
+              <a:t> Platform</a:t>
+            </a:r>
+          </a:p>
+        </p:txBody>
+      </p:sp>
+      <p:sp>
+        <p:nvSpPr>
+          <p:cNvPr id="5" name="Content Placeholder 4">
+            <a:extLst>
+              <a:ext uri="{FF2B5EF4-FFF2-40B4-BE49-F238E27FC236}">
+                <a16:creationId xmlns:a16="http://schemas.microsoft.com/office/drawing/2014/main" id="{C54B1141-2EF5-895D-D61D-E387B5579B09}"/>
+              </a:ext>
+            </a:extLst>
+          </p:cNvPr>
+          <p:cNvSpPr>
+            <a:spLocks noGrp="1"/>
+          </p:cNvSpPr>
+          <p:nvPr>
+            <p:ph sz="quarter" idx="10"/>
+          </p:nvPr>
+        </p:nvSpPr>
+        <p:spPr>
+          <a:xfrm>
+            <a:off x="787749" y="2431553"/>
+            <a:ext cx="10758915" cy="3754836"/>
+          </a:xfrm>
+        </p:spPr>
+        <p:txBody>
+          <a:bodyPr>
+            <a:normAutofit fontScale="92500"/>
+          </a:bodyPr>
+          <a:lstStyle/>
+          <a:p>
+            <a:pPr marL="0" indent="0">
+              <a:lnSpc>
+                <a:spcPct val="100000"/>
+              </a:lnSpc>
+              <a:buNone/>
+            </a:pPr>
+            <a:r>
+              <a:rPr lang="en-US" b="1" dirty="0"/>
+              <a:t>4-Layer Architecture</a:t>
+            </a:r>
+          </a:p>
+          <a:p>
+            <a:pPr marL="285750" indent="-285750">
+              <a:lnSpc>
+                <a:spcPct val="100000"/>
+              </a:lnSpc>
+            </a:pPr>
+            <a:r>
+              <a:rPr lang="en-US" b="1" dirty="0"/>
+              <a:t>Orchestration Layer</a:t>
+            </a:r>
+            <a:r>
+              <a:rPr lang="en-US" dirty="0"/>
+              <a:t>: Distributed execution, retry logic, traffic shifting</a:t>
+            </a:r>
+            <a:endParaRPr lang="en-US" b="1" dirty="0"/>
+          </a:p>
+          <a:p>
+            <a:pPr marL="285750" indent="-285750">
+              <a:lnSpc>
+                <a:spcPct val="100000"/>
+              </a:lnSpc>
+            </a:pPr>
+            <a:r>
+              <a:rPr lang="en-US" b="1" dirty="0"/>
+              <a:t>Prompt Engineering Tools</a:t>
+            </a:r>
+            <a:r>
+              <a:rPr lang="en-US" dirty="0"/>
+              <a:t>: Template management, optimization, versioning</a:t>
+            </a:r>
+          </a:p>
+          <a:p>
+            <a:pPr marL="285750" indent="-285750">
+              <a:lnSpc>
+                <a:spcPct val="100000"/>
+              </a:lnSpc>
+            </a:pPr>
+            <a:r>
+              <a:rPr lang="en-US" b="1" dirty="0"/>
+              <a:t>Skills and Tools Invocation</a:t>
+            </a:r>
+            <a:r>
+              <a:rPr lang="en-US" dirty="0"/>
+              <a:t>: Centralized skill registry, API integration</a:t>
+            </a:r>
+            <a:endParaRPr lang="en-US" b="1" dirty="0"/>
+          </a:p>
+          <a:p>
+            <a:pPr marL="285750" indent="-285750">
+              <a:lnSpc>
+                <a:spcPct val="100000"/>
+              </a:lnSpc>
+            </a:pPr>
+            <a:r>
+              <a:rPr lang="en-US" b="1" dirty="0"/>
+              <a:t>Content and Memory Management</a:t>
+            </a:r>
+            <a:r>
+              <a:rPr lang="en-US" dirty="0"/>
+              <a:t>: Conversational memory, experiential memory, checkpointing</a:t>
+            </a:r>
+            <a:endParaRPr lang="en-US" b="1" dirty="0"/>
+          </a:p>
+          <a:p>
+            <a:pPr marL="285750" indent="-285750">
+              <a:lnSpc>
+                <a:spcPct val="100000"/>
+              </a:lnSpc>
+            </a:pPr>
+            <a:endParaRPr lang="en-US" b="1" dirty="0"/>
+          </a:p>
+        </p:txBody>
+      </p:sp>
+    </p:spTree>
+    <p:extLst>
+      <p:ext uri="{BB962C8B-B14F-4D97-AF65-F5344CB8AC3E}">
+        <p14:creationId xmlns:p14="http://schemas.microsoft.com/office/powerpoint/2010/main" val="2593919614"/>
+      </p:ext>
+    </p:extLst>
+  </p:cSld>
+  <p:clrMapOvr>
+    <a:masterClrMapping/>
+  </p:clrMapOvr>
+</p:sld>
+</file>
+
+<file path=ppt/slides/slide15.xml><?xml version="1.0" encoding="utf-8"?>
+<p:sld xmlns:a="http://schemas.openxmlformats.org/drawingml/2006/main" xmlns:r="http://schemas.openxmlformats.org/officeDocument/2006/relationships" xmlns:p="http://schemas.openxmlformats.org/presentationml/2006/main">
+  <p:cSld>
+    <p:spTree>
+      <p:nvGrpSpPr>
+        <p:cNvPr id="1" name="">
+          <a:extLst>
+            <a:ext uri="{FF2B5EF4-FFF2-40B4-BE49-F238E27FC236}">
+              <a16:creationId xmlns:a16="http://schemas.microsoft.com/office/drawing/2014/main" id="{01598E24-AB49-D924-625F-9DEC510BB03F}"/>
+            </a:ext>
+          </a:extLst>
+        </p:cNvPr>
+        <p:cNvGrpSpPr/>
+        <p:nvPr/>
+      </p:nvGrpSpPr>
+      <p:grpSpPr>
+        <a:xfrm>
+          <a:off x="0" y="0"/>
+          <a:ext cx="0" cy="0"/>
+          <a:chOff x="0" y="0"/>
+          <a:chExt cx="0" cy="0"/>
+        </a:xfrm>
+      </p:grpSpPr>
+      <p:sp>
+        <p:nvSpPr>
+          <p:cNvPr id="4" name="Title 3">
+            <a:extLst>
+              <a:ext uri="{FF2B5EF4-FFF2-40B4-BE49-F238E27FC236}">
+                <a16:creationId xmlns:a16="http://schemas.microsoft.com/office/drawing/2014/main" id="{DB75BB36-EB96-DBEA-6D95-CE0C068FCF21}"/>
+              </a:ext>
+            </a:extLst>
+          </p:cNvPr>
+          <p:cNvSpPr>
+            <a:spLocks noGrp="1"/>
+          </p:cNvSpPr>
+          <p:nvPr>
+            <p:ph type="title"/>
+          </p:nvPr>
+        </p:nvSpPr>
+        <p:spPr/>
+        <p:txBody>
+          <a:bodyPr/>
+          <a:lstStyle/>
+          <a:p>
+            <a:r>
+              <a:rPr lang="en-US" dirty="0"/>
+              <a:t>Orchestration Patterns</a:t>
+            </a:r>
+          </a:p>
+        </p:txBody>
+      </p:sp>
+      <p:pic>
+        <p:nvPicPr>
+          <p:cNvPr id="3" name="Content Placeholder 2" descr="A diagram of a company&#10;&#10;AI-generated content may be incorrect.">
+            <a:extLst>
+              <a:ext uri="{FF2B5EF4-FFF2-40B4-BE49-F238E27FC236}">
+                <a16:creationId xmlns:a16="http://schemas.microsoft.com/office/drawing/2014/main" id="{796DFF21-F501-A18F-0942-7D3E44B8EAA1}"/>
+              </a:ext>
+            </a:extLst>
+          </p:cNvPr>
+          <p:cNvPicPr>
+            <a:picLocks noGrp="1" noChangeAspect="1"/>
+          </p:cNvPicPr>
+          <p:nvPr>
+            <p:ph sz="quarter" idx="10"/>
+          </p:nvPr>
+        </p:nvPicPr>
+        <p:blipFill>
+          <a:blip r:embed="rId2">
+            <a:extLst>
+              <a:ext uri="{28A0092B-C50C-407E-A947-70E740481C1C}">
+                <a14:useLocalDpi xmlns:a14="http://schemas.microsoft.com/office/drawing/2010/main" val="0"/>
+              </a:ext>
+            </a:extLst>
+          </a:blip>
+          <a:stretch>
+            <a:fillRect/>
+          </a:stretch>
+        </p:blipFill>
+        <p:spPr>
+          <a:xfrm>
+            <a:off x="7687788" y="1142464"/>
+            <a:ext cx="3423749" cy="5286555"/>
+          </a:xfrm>
+        </p:spPr>
+      </p:pic>
+      <p:sp>
+        <p:nvSpPr>
+          <p:cNvPr id="6" name="Content Placeholder 4">
+            <a:extLst>
+              <a:ext uri="{FF2B5EF4-FFF2-40B4-BE49-F238E27FC236}">
+                <a16:creationId xmlns:a16="http://schemas.microsoft.com/office/drawing/2014/main" id="{8081DC58-C151-8504-FC61-D739E9649190}"/>
+              </a:ext>
+            </a:extLst>
+          </p:cNvPr>
+          <p:cNvSpPr txBox="1">
+            <a:spLocks/>
+          </p:cNvSpPr>
+          <p:nvPr/>
+        </p:nvSpPr>
+        <p:spPr>
+          <a:xfrm>
+            <a:off x="787749" y="2005889"/>
+            <a:ext cx="6900039" cy="4180500"/>
+          </a:xfrm>
+          <a:prstGeom prst="rect">
+            <a:avLst/>
+          </a:prstGeom>
+        </p:spPr>
+        <p:txBody>
+          <a:bodyPr vert="horz" lIns="91440" tIns="45720" rIns="91440" bIns="45720" rtlCol="0">
+            <a:normAutofit fontScale="92500" lnSpcReduction="20000"/>
+          </a:bodyPr>
+          <a:lstStyle>
+            <a:lvl1pPr marL="228600" indent="-228600" algn="l" defTabSz="914400" rtl="0" eaLnBrk="1" latinLnBrk="0" hangingPunct="1">
+              <a:lnSpc>
+                <a:spcPct val="90000"/>
+              </a:lnSpc>
+              <a:spcBef>
+                <a:spcPts val="1000"/>
+              </a:spcBef>
+              <a:buFont typeface="Arial" panose="020B0604020202020204" pitchFamily="34" charset="0"/>
+              <a:buChar char="•"/>
+              <a:defRPr sz="2800" kern="1200">
+                <a:solidFill>
+                  <a:schemeClr val="tx1"/>
+                </a:solidFill>
+                <a:latin typeface="+mn-lt"/>
+                <a:ea typeface="+mn-ea"/>
+                <a:cs typeface="+mn-cs"/>
+              </a:defRPr>
+            </a:lvl1pPr>
+            <a:lvl2pPr marL="685800" indent="-228600" algn="l" defTabSz="914400" rtl="0" eaLnBrk="1" latinLnBrk="0" hangingPunct="1">
+              <a:lnSpc>
+                <a:spcPct val="90000"/>
+              </a:lnSpc>
+              <a:spcBef>
+                <a:spcPts val="500"/>
+              </a:spcBef>
+              <a:buFont typeface="Arial" panose="020B0604020202020204" pitchFamily="34" charset="0"/>
+              <a:buChar char="•"/>
+              <a:defRPr sz="2400" kern="1200">
+                <a:solidFill>
+                  <a:schemeClr val="tx1"/>
+                </a:solidFill>
+                <a:latin typeface="+mn-lt"/>
+                <a:ea typeface="+mn-ea"/>
+                <a:cs typeface="+mn-cs"/>
+              </a:defRPr>
+            </a:lvl2pPr>
+            <a:lvl3pPr marL="1143000" indent="-228600" algn="l" defTabSz="914400" rtl="0" eaLnBrk="1" latinLnBrk="0" hangingPunct="1">
+              <a:lnSpc>
+                <a:spcPct val="90000"/>
+              </a:lnSpc>
+              <a:spcBef>
+                <a:spcPts val="500"/>
+              </a:spcBef>
+              <a:buFont typeface="Arial" panose="020B0604020202020204" pitchFamily="34" charset="0"/>
+              <a:buChar char="•"/>
+              <a:defRPr sz="2000" kern="1200">
+                <a:solidFill>
+                  <a:schemeClr val="tx1"/>
+                </a:solidFill>
+                <a:latin typeface="+mn-lt"/>
+                <a:ea typeface="+mn-ea"/>
+                <a:cs typeface="+mn-cs"/>
+              </a:defRPr>
+            </a:lvl3pPr>
+            <a:lvl4pPr marL="1600200" indent="-228600" algn="l" defTabSz="914400" rtl="0" eaLnBrk="1" latinLnBrk="0" hangingPunct="1">
+              <a:lnSpc>
+                <a:spcPct val="90000"/>
+              </a:lnSpc>
+              <a:spcBef>
+                <a:spcPts val="500"/>
+              </a:spcBef>
+              <a:buFont typeface="Arial" panose="020B0604020202020204" pitchFamily="34" charset="0"/>
+              <a:buChar char="•"/>
+              <a:defRPr sz="1800" kern="1200">
+                <a:solidFill>
+                  <a:schemeClr val="tx1"/>
+                </a:solidFill>
+                <a:latin typeface="+mn-lt"/>
+                <a:ea typeface="+mn-ea"/>
+                <a:cs typeface="+mn-cs"/>
+              </a:defRPr>
+            </a:lvl4pPr>
+            <a:lvl5pPr marL="2057400" indent="-228600" algn="l" defTabSz="914400" rtl="0" eaLnBrk="1" latinLnBrk="0" hangingPunct="1">
+              <a:lnSpc>
+                <a:spcPct val="90000"/>
+              </a:lnSpc>
+              <a:spcBef>
+                <a:spcPts val="500"/>
+              </a:spcBef>
+              <a:buFont typeface="Arial" panose="020B0604020202020204" pitchFamily="34" charset="0"/>
+              <a:buChar char="•"/>
+              <a:defRPr sz="1800" kern="1200">
+                <a:solidFill>
+                  <a:schemeClr val="tx1"/>
+                </a:solidFill>
+                <a:latin typeface="+mn-lt"/>
+                <a:ea typeface="+mn-ea"/>
+                <a:cs typeface="+mn-cs"/>
+              </a:defRPr>
+            </a:lvl5pPr>
+            <a:lvl6pPr marL="2514600" indent="-228600" algn="l" defTabSz="914400" rtl="0" eaLnBrk="1" latinLnBrk="0" hangingPunct="1">
+              <a:lnSpc>
+                <a:spcPct val="90000"/>
+              </a:lnSpc>
+              <a:spcBef>
+                <a:spcPts val="500"/>
+              </a:spcBef>
+              <a:buFont typeface="Arial" panose="020B0604020202020204" pitchFamily="34" charset="0"/>
+              <a:buChar char="•"/>
+              <a:defRPr sz="1800" kern="1200">
+                <a:solidFill>
+                  <a:schemeClr val="tx1"/>
+                </a:solidFill>
+                <a:latin typeface="+mn-lt"/>
+                <a:ea typeface="+mn-ea"/>
+                <a:cs typeface="+mn-cs"/>
+              </a:defRPr>
+            </a:lvl6pPr>
+            <a:lvl7pPr marL="2971800" indent="-228600" algn="l" defTabSz="914400" rtl="0" eaLnBrk="1" latinLnBrk="0" hangingPunct="1">
+              <a:lnSpc>
+                <a:spcPct val="90000"/>
+              </a:lnSpc>
+              <a:spcBef>
+                <a:spcPts val="500"/>
+              </a:spcBef>
+              <a:buFont typeface="Arial" panose="020B0604020202020204" pitchFamily="34" charset="0"/>
+              <a:buChar char="•"/>
+              <a:defRPr sz="1800" kern="1200">
+                <a:solidFill>
+                  <a:schemeClr val="tx1"/>
+                </a:solidFill>
+                <a:latin typeface="+mn-lt"/>
+                <a:ea typeface="+mn-ea"/>
+                <a:cs typeface="+mn-cs"/>
+              </a:defRPr>
+            </a:lvl7pPr>
+            <a:lvl8pPr marL="3429000" indent="-228600" algn="l" defTabSz="914400" rtl="0" eaLnBrk="1" latinLnBrk="0" hangingPunct="1">
+              <a:lnSpc>
+                <a:spcPct val="90000"/>
+              </a:lnSpc>
+              <a:spcBef>
+                <a:spcPts val="500"/>
+              </a:spcBef>
+              <a:buFont typeface="Arial" panose="020B0604020202020204" pitchFamily="34" charset="0"/>
+              <a:buChar char="•"/>
+              <a:defRPr sz="1800" kern="1200">
+                <a:solidFill>
+                  <a:schemeClr val="tx1"/>
+                </a:solidFill>
+                <a:latin typeface="+mn-lt"/>
+                <a:ea typeface="+mn-ea"/>
+                <a:cs typeface="+mn-cs"/>
+              </a:defRPr>
+            </a:lvl8pPr>
+            <a:lvl9pPr marL="3886200" indent="-228600" algn="l" defTabSz="914400" rtl="0" eaLnBrk="1" latinLnBrk="0" hangingPunct="1">
+              <a:lnSpc>
+                <a:spcPct val="90000"/>
+              </a:lnSpc>
+              <a:spcBef>
+                <a:spcPts val="500"/>
+              </a:spcBef>
+              <a:buFont typeface="Arial" panose="020B0604020202020204" pitchFamily="34" charset="0"/>
+              <a:buChar char="•"/>
+              <a:defRPr sz="1800" kern="1200">
+                <a:solidFill>
+                  <a:schemeClr val="tx1"/>
+                </a:solidFill>
+                <a:latin typeface="+mn-lt"/>
+                <a:ea typeface="+mn-ea"/>
+                <a:cs typeface="+mn-cs"/>
+              </a:defRPr>
+            </a:lvl9pPr>
+          </a:lstStyle>
+          <a:p>
+            <a:pPr marL="285750" indent="-285750">
+              <a:lnSpc>
+                <a:spcPct val="110000"/>
+              </a:lnSpc>
+            </a:pPr>
+            <a:r>
+              <a:rPr lang="en-US" b="1" dirty="0"/>
+              <a:t>Agents as Tools</a:t>
+            </a:r>
+          </a:p>
+          <a:p>
+            <a:pPr marL="742950" lvl="1" indent="-285750">
+              <a:lnSpc>
+                <a:spcPct val="110000"/>
+              </a:lnSpc>
+            </a:pPr>
+            <a:r>
+              <a:rPr lang="en-US" dirty="0"/>
+              <a:t>OpenAI SDK: agents callable like functions</a:t>
+            </a:r>
+          </a:p>
+          <a:p>
+            <a:pPr marL="742950" lvl="1" indent="-285750">
+              <a:lnSpc>
+                <a:spcPct val="110000"/>
+              </a:lnSpc>
+            </a:pPr>
+            <a:r>
+              <a:rPr lang="en-US" dirty="0"/>
+              <a:t>MCP-based agents</a:t>
+            </a:r>
+          </a:p>
+          <a:p>
+            <a:pPr marL="742950" lvl="1" indent="-285750">
+              <a:lnSpc>
+                <a:spcPct val="110000"/>
+              </a:lnSpc>
+            </a:pPr>
+            <a:r>
+              <a:rPr lang="en-US" dirty="0"/>
+              <a:t>Composable, reusable agent components</a:t>
+            </a:r>
+          </a:p>
+          <a:p>
+            <a:pPr marL="285750" indent="-285750">
+              <a:lnSpc>
+                <a:spcPct val="110000"/>
+              </a:lnSpc>
+            </a:pPr>
+            <a:r>
+              <a:rPr lang="en-US" b="1" dirty="0"/>
+              <a:t>Hybrid Declarative/Code</a:t>
+            </a:r>
+          </a:p>
+          <a:p>
+            <a:pPr marL="742950" lvl="1" indent="-285750">
+              <a:lnSpc>
+                <a:spcPct val="110000"/>
+              </a:lnSpc>
+            </a:pPr>
+            <a:r>
+              <a:rPr lang="en-US" dirty="0"/>
+              <a:t>Start declarative, extend with code</a:t>
+            </a:r>
+          </a:p>
+          <a:p>
+            <a:pPr marL="742950" lvl="1" indent="-285750">
+              <a:lnSpc>
+                <a:spcPct val="110000"/>
+              </a:lnSpc>
+            </a:pPr>
+            <a:r>
+              <a:rPr lang="en-US" dirty="0"/>
+              <a:t>Example: n8n with custom code nodes</a:t>
+            </a:r>
+          </a:p>
+          <a:p>
+            <a:pPr marL="285750" indent="-285750">
+              <a:lnSpc>
+                <a:spcPct val="110000"/>
+              </a:lnSpc>
+            </a:pPr>
+            <a:r>
+              <a:rPr lang="en-US" b="1" dirty="0"/>
+              <a:t>Model-Driven Orchestration</a:t>
+            </a:r>
+          </a:p>
+          <a:p>
+            <a:pPr marL="742950" lvl="1" indent="-285750">
+              <a:lnSpc>
+                <a:spcPct val="110000"/>
+              </a:lnSpc>
+            </a:pPr>
+            <a:r>
+              <a:rPr lang="en-US" dirty="0"/>
+              <a:t>LLM decides agent routing dynamically</a:t>
+            </a:r>
+          </a:p>
+          <a:p>
+            <a:pPr marL="742950" lvl="1" indent="-285750">
+              <a:lnSpc>
+                <a:spcPct val="110000"/>
+              </a:lnSpc>
+            </a:pPr>
+            <a:r>
+              <a:rPr lang="en-US" dirty="0"/>
+              <a:t>LinkedIn: Supervisor agent pattern</a:t>
+            </a:r>
+          </a:p>
+        </p:txBody>
+      </p:sp>
+    </p:spTree>
+    <p:extLst>
+      <p:ext uri="{BB962C8B-B14F-4D97-AF65-F5344CB8AC3E}">
+        <p14:creationId xmlns:p14="http://schemas.microsoft.com/office/powerpoint/2010/main" val="3571424812"/>
+      </p:ext>
+    </p:extLst>
+  </p:cSld>
+  <p:clrMapOvr>
+    <a:masterClrMapping/>
+  </p:clrMapOvr>
+</p:sld>
+</file>
+
+<file path=ppt/slides/slide16.xml><?xml version="1.0" encoding="utf-8"?>
+<p:sld xmlns:a="http://schemas.openxmlformats.org/drawingml/2006/main" xmlns:r="http://schemas.openxmlformats.org/officeDocument/2006/relationships" xmlns:p="http://schemas.openxmlformats.org/presentationml/2006/main">
+  <p:cSld>
+    <p:spTree>
+      <p:nvGrpSpPr>
+        <p:cNvPr id="1" name="">
+          <a:extLst>
+            <a:ext uri="{FF2B5EF4-FFF2-40B4-BE49-F238E27FC236}">
+              <a16:creationId xmlns:a16="http://schemas.microsoft.com/office/drawing/2014/main" id="{29D44F60-634C-7972-0FB0-4BEF98D8FAEA}"/>
+            </a:ext>
+          </a:extLst>
+        </p:cNvPr>
+        <p:cNvGrpSpPr/>
+        <p:nvPr/>
+      </p:nvGrpSpPr>
+      <p:grpSpPr>
+        <a:xfrm>
+          <a:off x="0" y="0"/>
+          <a:ext cx="0" cy="0"/>
+          <a:chOff x="0" y="0"/>
+          <a:chExt cx="0" cy="0"/>
+        </a:xfrm>
+      </p:grpSpPr>
+      <p:sp>
+        <p:nvSpPr>
+          <p:cNvPr id="4" name="Title 3">
+            <a:extLst>
+              <a:ext uri="{FF2B5EF4-FFF2-40B4-BE49-F238E27FC236}">
+                <a16:creationId xmlns:a16="http://schemas.microsoft.com/office/drawing/2014/main" id="{0E969E2B-990F-E031-1969-3E7D82630BBD}"/>
+              </a:ext>
+            </a:extLst>
+          </p:cNvPr>
+          <p:cNvSpPr>
+            <a:spLocks noGrp="1"/>
+          </p:cNvSpPr>
+          <p:nvPr>
+            <p:ph type="title"/>
+          </p:nvPr>
+        </p:nvSpPr>
+        <p:spPr/>
+        <p:txBody>
+          <a:bodyPr/>
+          <a:lstStyle/>
+          <a:p>
+            <a:r>
+              <a:rPr lang="en-US" dirty="0"/>
+              <a:t>Communication Protocols</a:t>
+            </a:r>
+          </a:p>
+        </p:txBody>
+      </p:sp>
+      <p:sp>
+        <p:nvSpPr>
+          <p:cNvPr id="5" name="Content Placeholder 4">
+            <a:extLst>
+              <a:ext uri="{FF2B5EF4-FFF2-40B4-BE49-F238E27FC236}">
+                <a16:creationId xmlns:a16="http://schemas.microsoft.com/office/drawing/2014/main" id="{5816C81A-CCEB-2495-7B11-776E6BC6B1C2}"/>
+              </a:ext>
+            </a:extLst>
+          </p:cNvPr>
+          <p:cNvSpPr>
+            <a:spLocks noGrp="1"/>
+          </p:cNvSpPr>
+          <p:nvPr>
+            <p:ph sz="quarter" idx="10"/>
+          </p:nvPr>
+        </p:nvSpPr>
+        <p:spPr/>
+        <p:txBody>
+          <a:bodyPr/>
+          <a:lstStyle/>
+          <a:p>
+            <a:pPr marL="285750" indent="-285750">
+              <a:lnSpc>
+                <a:spcPct val="110000"/>
+              </a:lnSpc>
+            </a:pPr>
+            <a:r>
+              <a:rPr lang="en-US" b="1" dirty="0"/>
+              <a:t>Agent-to-Tool</a:t>
+            </a:r>
+          </a:p>
+          <a:p>
+            <a:pPr marL="742950" lvl="1" indent="-285750">
+              <a:lnSpc>
+                <a:spcPct val="110000"/>
+              </a:lnSpc>
+            </a:pPr>
+            <a:r>
+              <a:rPr lang="en-US" dirty="0"/>
+              <a:t>Native functions (Python, TypeScript) with OpenAI-compatible schema</a:t>
+            </a:r>
+          </a:p>
+          <a:p>
+            <a:pPr marL="742950" lvl="1" indent="-285750">
+              <a:lnSpc>
+                <a:spcPct val="110000"/>
+              </a:lnSpc>
+            </a:pPr>
+            <a:r>
+              <a:rPr lang="en-US" dirty="0"/>
+              <a:t>Model Context Protocol (MCP): JSON-RPC, STDIO, streaming HTTP, stateful (session)</a:t>
+            </a:r>
+          </a:p>
+          <a:p>
+            <a:pPr marL="285750" indent="-285750">
+              <a:lnSpc>
+                <a:spcPct val="110000"/>
+              </a:lnSpc>
+            </a:pPr>
+            <a:r>
+              <a:rPr lang="en-US" b="1" dirty="0"/>
+              <a:t>Agent-to-Agent</a:t>
+            </a:r>
+          </a:p>
+          <a:p>
+            <a:pPr marL="742950" lvl="1" indent="-285750">
+              <a:lnSpc>
+                <a:spcPct val="110000"/>
+              </a:lnSpc>
+            </a:pPr>
+            <a:r>
+              <a:rPr lang="en-US" dirty="0"/>
+              <a:t>A2A, ACP, ANP, …: HTTP, </a:t>
+            </a:r>
+            <a:r>
+              <a:rPr lang="en-US" dirty="0" err="1"/>
+              <a:t>gRPC</a:t>
+            </a:r>
+            <a:r>
+              <a:rPr lang="en-US" dirty="0"/>
+              <a:t>, agent card, task-oriented, stateless</a:t>
+            </a:r>
+          </a:p>
+          <a:p>
+            <a:pPr marL="742950" lvl="1" indent="-285750">
+              <a:lnSpc>
+                <a:spcPct val="110000"/>
+              </a:lnSpc>
+            </a:pPr>
+            <a:r>
+              <a:rPr lang="en-US" dirty="0"/>
+              <a:t>MCP: “agent as tool,” Anthropic + Microsoft + AWS</a:t>
+            </a:r>
+          </a:p>
+          <a:p>
+            <a:pPr marL="742950" lvl="1" indent="-285750">
+              <a:lnSpc>
+                <a:spcPct val="110000"/>
+              </a:lnSpc>
+            </a:pPr>
+            <a:r>
+              <a:rPr lang="en-US" dirty="0"/>
+              <a:t>Custom: LinkedIn messaging</a:t>
+            </a:r>
+          </a:p>
+        </p:txBody>
+      </p:sp>
+    </p:spTree>
+    <p:extLst>
+      <p:ext uri="{BB962C8B-B14F-4D97-AF65-F5344CB8AC3E}">
+        <p14:creationId xmlns:p14="http://schemas.microsoft.com/office/powerpoint/2010/main" val="2366319018"/>
+      </p:ext>
+    </p:extLst>
+  </p:cSld>
+  <p:clrMapOvr>
+    <a:masterClrMapping/>
+  </p:clrMapOvr>
+</p:sld>
+</file>
+
+<file path=ppt/slides/slide17.xml><?xml version="1.0" encoding="utf-8"?>
+<p:sld xmlns:a="http://schemas.openxmlformats.org/drawingml/2006/main" xmlns:r="http://schemas.openxmlformats.org/officeDocument/2006/relationships" xmlns:p="http://schemas.openxmlformats.org/presentationml/2006/main">
+  <p:cSld>
+    <p:spTree>
+      <p:nvGrpSpPr>
+        <p:cNvPr id="1" name="">
+          <a:extLst>
+            <a:ext uri="{FF2B5EF4-FFF2-40B4-BE49-F238E27FC236}">
+              <a16:creationId xmlns:a16="http://schemas.microsoft.com/office/drawing/2014/main" id="{925DE1A5-B040-EF6E-8C53-5B40A44674D7}"/>
+            </a:ext>
+          </a:extLst>
+        </p:cNvPr>
+        <p:cNvGrpSpPr/>
+        <p:nvPr/>
+      </p:nvGrpSpPr>
+      <p:grpSpPr>
+        <a:xfrm>
+          <a:off x="0" y="0"/>
+          <a:ext cx="0" cy="0"/>
+          <a:chOff x="0" y="0"/>
+          <a:chExt cx="0" cy="0"/>
+        </a:xfrm>
+      </p:grpSpPr>
+      <p:sp>
+        <p:nvSpPr>
+          <p:cNvPr id="4" name="Title 3">
+            <a:extLst>
+              <a:ext uri="{FF2B5EF4-FFF2-40B4-BE49-F238E27FC236}">
+                <a16:creationId xmlns:a16="http://schemas.microsoft.com/office/drawing/2014/main" id="{F3866529-C95A-107A-F36A-91AF1FDB6A97}"/>
+              </a:ext>
+            </a:extLst>
+          </p:cNvPr>
+          <p:cNvSpPr>
+            <a:spLocks noGrp="1"/>
+          </p:cNvSpPr>
+          <p:nvPr>
+            <p:ph type="title"/>
+          </p:nvPr>
+        </p:nvSpPr>
+        <p:spPr/>
+        <p:txBody>
+          <a:bodyPr/>
+          <a:lstStyle/>
+          <a:p>
+            <a:r>
+              <a:rPr lang="en-US" dirty="0"/>
+              <a:t>Challenges</a:t>
+            </a:r>
+          </a:p>
+        </p:txBody>
+      </p:sp>
+      <p:sp>
+        <p:nvSpPr>
+          <p:cNvPr id="5" name="Content Placeholder 4">
+            <a:extLst>
+              <a:ext uri="{FF2B5EF4-FFF2-40B4-BE49-F238E27FC236}">
+                <a16:creationId xmlns:a16="http://schemas.microsoft.com/office/drawing/2014/main" id="{5A40C954-A3E9-1E0E-AAF1-2CA89E2A440A}"/>
+              </a:ext>
+            </a:extLst>
+          </p:cNvPr>
+          <p:cNvSpPr>
+            <a:spLocks noGrp="1"/>
+          </p:cNvSpPr>
+          <p:nvPr>
+            <p:ph sz="quarter" idx="10"/>
+          </p:nvPr>
+        </p:nvSpPr>
+        <p:spPr/>
+        <p:txBody>
+          <a:bodyPr>
+            <a:normAutofit fontScale="77500" lnSpcReduction="20000"/>
+          </a:bodyPr>
+          <a:lstStyle/>
+          <a:p>
+            <a:pPr marL="285750" indent="-285750">
+              <a:lnSpc>
+                <a:spcPct val="120000"/>
+              </a:lnSpc>
+            </a:pPr>
+            <a:r>
+              <a:rPr lang="en-US" b="1" dirty="0"/>
+              <a:t>Communication overhead</a:t>
+            </a:r>
+          </a:p>
+          <a:p>
+            <a:pPr marL="742950" lvl="1" indent="-285750">
+              <a:lnSpc>
+                <a:spcPct val="120000"/>
+              </a:lnSpc>
+            </a:pPr>
+            <a:r>
+              <a:rPr lang="en-US" dirty="0"/>
+              <a:t>3 agents * 5 rounds = 15 messages</a:t>
+            </a:r>
+          </a:p>
+          <a:p>
+            <a:pPr marL="285750" indent="-285750">
+              <a:lnSpc>
+                <a:spcPct val="120000"/>
+              </a:lnSpc>
+            </a:pPr>
+            <a:r>
+              <a:rPr lang="en-US" b="1" dirty="0"/>
+              <a:t>State consistency</a:t>
+            </a:r>
+          </a:p>
+          <a:p>
+            <a:pPr marL="742950" lvl="1" indent="-285750">
+              <a:lnSpc>
+                <a:spcPct val="120000"/>
+              </a:lnSpc>
+            </a:pPr>
+            <a:r>
+              <a:rPr lang="en-US" dirty="0"/>
+              <a:t>Shared memory, recovery, checkpointing, race conditions</a:t>
+            </a:r>
+          </a:p>
+          <a:p>
+            <a:pPr marL="285750" indent="-285750">
+              <a:lnSpc>
+                <a:spcPct val="120000"/>
+              </a:lnSpc>
+            </a:pPr>
+            <a:r>
+              <a:rPr lang="en-US" b="1" dirty="0"/>
+              <a:t>Agent sprawl</a:t>
+            </a:r>
+          </a:p>
+          <a:p>
+            <a:pPr marL="742950" lvl="1" indent="-285750">
+              <a:lnSpc>
+                <a:spcPct val="120000"/>
+              </a:lnSpc>
+            </a:pPr>
+            <a:r>
+              <a:rPr lang="en-US" dirty="0"/>
+              <a:t>Do we need a Citation Agent?  Format Agent?</a:t>
+            </a:r>
+          </a:p>
+          <a:p>
+            <a:pPr marL="742950" lvl="1" indent="-285750">
+              <a:lnSpc>
+                <a:spcPct val="120000"/>
+              </a:lnSpc>
+            </a:pPr>
+            <a:r>
+              <a:rPr lang="en-US" dirty="0"/>
+              <a:t>Over-decomposition complexity</a:t>
+            </a:r>
+          </a:p>
+          <a:p>
+            <a:pPr marL="285750" indent="-285750">
+              <a:lnSpc>
+                <a:spcPct val="120000"/>
+              </a:lnSpc>
+            </a:pPr>
+            <a:r>
+              <a:rPr lang="en-US" b="1" dirty="0"/>
+              <a:t>Skill (Tools)</a:t>
+            </a:r>
+          </a:p>
+          <a:p>
+            <a:pPr marL="742950" lvl="1" indent="-285750">
+              <a:lnSpc>
+                <a:spcPct val="120000"/>
+              </a:lnSpc>
+            </a:pPr>
+            <a:r>
+              <a:rPr lang="en-US" dirty="0"/>
+              <a:t>Centralized registry, tool finding / narrowing</a:t>
+            </a:r>
+          </a:p>
+          <a:p>
+            <a:pPr marL="285750" indent="-285750">
+              <a:lnSpc>
+                <a:spcPct val="120000"/>
+              </a:lnSpc>
+            </a:pPr>
+            <a:r>
+              <a:rPr lang="en-US" b="1" dirty="0"/>
+              <a:t>Debugging + Observability</a:t>
+            </a:r>
+          </a:p>
+        </p:txBody>
+      </p:sp>
+    </p:spTree>
+    <p:extLst>
+      <p:ext uri="{BB962C8B-B14F-4D97-AF65-F5344CB8AC3E}">
+        <p14:creationId xmlns:p14="http://schemas.microsoft.com/office/powerpoint/2010/main" val="739457767"/>
+      </p:ext>
+    </p:extLst>
+  </p:cSld>
+  <p:clrMapOvr>
+    <a:masterClrMapping/>
+  </p:clrMapOvr>
+</p:sld>
+</file>
+
+<file path=ppt/slides/slide18.xml><?xml version="1.0" encoding="utf-8"?>
+<p:sld xmlns:a="http://schemas.openxmlformats.org/drawingml/2006/main" xmlns:r="http://schemas.openxmlformats.org/officeDocument/2006/relationships" xmlns:p="http://schemas.openxmlformats.org/presentationml/2006/main">
+  <p:cSld>
+    <p:spTree>
+      <p:nvGrpSpPr>
+        <p:cNvPr id="1" name="">
+          <a:extLst>
+            <a:ext uri="{FF2B5EF4-FFF2-40B4-BE49-F238E27FC236}">
+              <a16:creationId xmlns:a16="http://schemas.microsoft.com/office/drawing/2014/main" id="{B0B896DB-162E-FE71-C070-6581E6CEFDE9}"/>
+            </a:ext>
+          </a:extLst>
+        </p:cNvPr>
+        <p:cNvGrpSpPr/>
+        <p:nvPr/>
+      </p:nvGrpSpPr>
+      <p:grpSpPr>
+        <a:xfrm>
+          <a:off x="0" y="0"/>
+          <a:ext cx="0" cy="0"/>
+          <a:chOff x="0" y="0"/>
+          <a:chExt cx="0" cy="0"/>
+        </a:xfrm>
+      </p:grpSpPr>
+      <p:pic>
+        <p:nvPicPr>
+          <p:cNvPr id="3" name="Picture 2" descr="A diagram of a large lm orchestrator&#10;&#10;AI-generated content may be incorrect.">
+            <a:extLst>
+              <a:ext uri="{FF2B5EF4-FFF2-40B4-BE49-F238E27FC236}">
+                <a16:creationId xmlns:a16="http://schemas.microsoft.com/office/drawing/2014/main" id="{AB117AC7-F80F-4B6A-FCB5-AFA1551D9F17}"/>
+              </a:ext>
+            </a:extLst>
+          </p:cNvPr>
+          <p:cNvPicPr>
+            <a:picLocks noChangeAspect="1"/>
+          </p:cNvPicPr>
+          <p:nvPr/>
+        </p:nvPicPr>
+        <p:blipFill>
+          <a:blip r:embed="rId2">
+            <a:extLst>
+              <a:ext uri="{28A0092B-C50C-407E-A947-70E740481C1C}">
+                <a14:useLocalDpi xmlns:a14="http://schemas.microsoft.com/office/drawing/2010/main" val="0"/>
+              </a:ext>
+            </a:extLst>
+          </a:blip>
+          <a:stretch>
+            <a:fillRect/>
+          </a:stretch>
+        </p:blipFill>
+        <p:spPr>
+          <a:xfrm>
+            <a:off x="7239526" y="4020611"/>
+            <a:ext cx="4479440" cy="2519685"/>
+          </a:xfrm>
+          <a:prstGeom prst="rect">
+            <a:avLst/>
+          </a:prstGeom>
+        </p:spPr>
+      </p:pic>
+      <p:sp>
+        <p:nvSpPr>
+          <p:cNvPr id="4" name="Title 3">
+            <a:extLst>
+              <a:ext uri="{FF2B5EF4-FFF2-40B4-BE49-F238E27FC236}">
+                <a16:creationId xmlns:a16="http://schemas.microsoft.com/office/drawing/2014/main" id="{B084F988-CEDF-B95F-0BD4-8FF37165B562}"/>
+              </a:ext>
+            </a:extLst>
+          </p:cNvPr>
+          <p:cNvSpPr>
+            <a:spLocks noGrp="1"/>
+          </p:cNvSpPr>
+          <p:nvPr>
+            <p:ph type="title"/>
+          </p:nvPr>
+        </p:nvSpPr>
+        <p:spPr/>
+        <p:txBody>
+          <a:bodyPr/>
+          <a:lstStyle/>
+          <a:p>
+            <a:r>
+              <a:rPr lang="en-US" dirty="0"/>
+              <a:t>Edge and Client Deployment</a:t>
+            </a:r>
+          </a:p>
+        </p:txBody>
+      </p:sp>
+      <p:sp>
+        <p:nvSpPr>
+          <p:cNvPr id="5" name="Content Placeholder 4">
+            <a:extLst>
+              <a:ext uri="{FF2B5EF4-FFF2-40B4-BE49-F238E27FC236}">
+                <a16:creationId xmlns:a16="http://schemas.microsoft.com/office/drawing/2014/main" id="{5FA94729-8FF7-B0BD-9DAC-F071AB9F792E}"/>
+              </a:ext>
+            </a:extLst>
+          </p:cNvPr>
+          <p:cNvSpPr>
+            <a:spLocks noGrp="1"/>
+          </p:cNvSpPr>
+          <p:nvPr>
+            <p:ph sz="quarter" idx="10"/>
+          </p:nvPr>
+        </p:nvSpPr>
+        <p:spPr/>
+        <p:txBody>
+          <a:bodyPr>
+            <a:normAutofit/>
+          </a:bodyPr>
+          <a:lstStyle/>
+          <a:p>
+            <a:pPr marL="285750" indent="-285750">
+              <a:lnSpc>
+                <a:spcPct val="120000"/>
+              </a:lnSpc>
+            </a:pPr>
+            <a:r>
+              <a:rPr lang="en-US" b="1" dirty="0"/>
+              <a:t>SLMs</a:t>
+            </a:r>
+            <a:r>
+              <a:rPr lang="en-US" dirty="0"/>
+              <a:t>: Models that fit on consumer devices with low-latency local inference for single-user agent tasks</a:t>
+            </a:r>
+          </a:p>
+          <a:p>
+            <a:pPr marL="742950" lvl="1" indent="-285750">
+              <a:lnSpc>
+                <a:spcPct val="120000"/>
+              </a:lnSpc>
+            </a:pPr>
+            <a:r>
+              <a:rPr lang="en-US" dirty="0"/>
+              <a:t>10-30x cost reduction for agent tasks</a:t>
+            </a:r>
+          </a:p>
+          <a:p>
+            <a:pPr marL="742950" lvl="1" indent="-285750">
+              <a:lnSpc>
+                <a:spcPct val="120000"/>
+              </a:lnSpc>
+            </a:pPr>
+            <a:r>
+              <a:rPr lang="en-US" dirty="0"/>
+              <a:t>No network latency, full privacy</a:t>
+            </a:r>
+          </a:p>
+          <a:p>
+            <a:pPr marL="742950" lvl="1" indent="-285750">
+              <a:lnSpc>
+                <a:spcPct val="120000"/>
+              </a:lnSpc>
+            </a:pPr>
+            <a:r>
+              <a:rPr lang="en-US" dirty="0"/>
+              <a:t>Most agent tasks need speed over sophistication</a:t>
+            </a:r>
+          </a:p>
+        </p:txBody>
+      </p:sp>
+      <p:sp>
+        <p:nvSpPr>
+          <p:cNvPr id="7" name="TextBox 6">
+            <a:extLst>
+              <a:ext uri="{FF2B5EF4-FFF2-40B4-BE49-F238E27FC236}">
+                <a16:creationId xmlns:a16="http://schemas.microsoft.com/office/drawing/2014/main" id="{CB6E8585-2409-B417-E16A-A77FA6FD600A}"/>
+              </a:ext>
+            </a:extLst>
+          </p:cNvPr>
+          <p:cNvSpPr txBox="1"/>
+          <p:nvPr/>
+        </p:nvSpPr>
+        <p:spPr>
+          <a:xfrm>
+            <a:off x="838200" y="4926585"/>
+            <a:ext cx="6238416" cy="1613711"/>
+          </a:xfrm>
+          <a:prstGeom prst="rect">
+            <a:avLst/>
+          </a:prstGeom>
+          <a:noFill/>
+        </p:spPr>
+        <p:txBody>
+          <a:bodyPr wrap="square">
+            <a:spAutoFit/>
+          </a:bodyPr>
+          <a:lstStyle/>
+          <a:p>
+            <a:pPr marL="285750" indent="-285750">
+              <a:lnSpc>
+                <a:spcPct val="120000"/>
+              </a:lnSpc>
+              <a:buFont typeface="Arial" panose="020B0604020202020204" pitchFamily="34" charset="0"/>
+              <a:buChar char="•"/>
+            </a:pPr>
+            <a:r>
+              <a:rPr lang="en-US" sz="2800" b="1" dirty="0"/>
+              <a:t>Hybrid</a:t>
+            </a:r>
+            <a:r>
+              <a:rPr lang="en-US" sz="2800" dirty="0"/>
+              <a:t>: Combining SLMs and LLMs</a:t>
+            </a:r>
+          </a:p>
+          <a:p>
+            <a:pPr marL="742950" lvl="1" indent="-285750">
+              <a:lnSpc>
+                <a:spcPct val="120000"/>
+              </a:lnSpc>
+              <a:buFont typeface="Arial" panose="020B0604020202020204" pitchFamily="34" charset="0"/>
+              <a:buChar char="•"/>
+            </a:pPr>
+            <a:r>
+              <a:rPr lang="en-US" sz="2800" dirty="0"/>
+              <a:t>Intelligent task routing between specialized models</a:t>
+            </a:r>
+          </a:p>
+        </p:txBody>
+      </p:sp>
+    </p:spTree>
+    <p:extLst>
+      <p:ext uri="{BB962C8B-B14F-4D97-AF65-F5344CB8AC3E}">
+        <p14:creationId xmlns:p14="http://schemas.microsoft.com/office/powerpoint/2010/main" val="3726105384"/>
+      </p:ext>
+    </p:extLst>
+  </p:cSld>
+  <p:clrMapOvr>
+    <a:masterClrMapping/>
+  </p:clrMapOvr>
+</p:sld>
+</file>
+
+<file path=ppt/slides/slide19.xml><?xml version="1.0" encoding="utf-8"?>
+<p:sld xmlns:a="http://schemas.openxmlformats.org/drawingml/2006/main" xmlns:r="http://schemas.openxmlformats.org/officeDocument/2006/relationships" xmlns:p="http://schemas.openxmlformats.org/presentationml/2006/main">
+  <p:cSld>
+    <p:spTree>
+      <p:nvGrpSpPr>
+        <p:cNvPr id="1" name="">
+          <a:extLst>
+            <a:ext uri="{FF2B5EF4-FFF2-40B4-BE49-F238E27FC236}">
+              <a16:creationId xmlns:a16="http://schemas.microsoft.com/office/drawing/2014/main" id="{A9858481-29FE-FEF7-2965-6FD7BEA0D276}"/>
+            </a:ext>
+          </a:extLst>
+        </p:cNvPr>
+        <p:cNvGrpSpPr/>
+        <p:nvPr/>
+      </p:nvGrpSpPr>
+      <p:grpSpPr>
+        <a:xfrm>
+          <a:off x="0" y="0"/>
+          <a:ext cx="0" cy="0"/>
+          <a:chOff x="0" y="0"/>
+          <a:chExt cx="0" cy="0"/>
+        </a:xfrm>
+      </p:grpSpPr>
+      <p:sp>
+        <p:nvSpPr>
+          <p:cNvPr id="4" name="Title 3">
+            <a:extLst>
+              <a:ext uri="{FF2B5EF4-FFF2-40B4-BE49-F238E27FC236}">
+                <a16:creationId xmlns:a16="http://schemas.microsoft.com/office/drawing/2014/main" id="{8746CE07-6167-04B5-9522-CC2257928D54}"/>
+              </a:ext>
+            </a:extLst>
+          </p:cNvPr>
+          <p:cNvSpPr>
+            <a:spLocks noGrp="1"/>
+          </p:cNvSpPr>
+          <p:nvPr>
+            <p:ph type="title"/>
+          </p:nvPr>
+        </p:nvSpPr>
+        <p:spPr/>
+        <p:txBody>
+          <a:bodyPr/>
+          <a:lstStyle/>
+          <a:p>
+            <a:r>
+              <a:rPr lang="en-US" dirty="0"/>
+              <a:t>Conclusion</a:t>
+            </a:r>
+          </a:p>
+        </p:txBody>
+      </p:sp>
+      <p:sp>
+        <p:nvSpPr>
+          <p:cNvPr id="5" name="Content Placeholder 4">
+            <a:extLst>
+              <a:ext uri="{FF2B5EF4-FFF2-40B4-BE49-F238E27FC236}">
+                <a16:creationId xmlns:a16="http://schemas.microsoft.com/office/drawing/2014/main" id="{0C9A4ED7-F849-6FD4-207C-B710B80877B4}"/>
+              </a:ext>
+            </a:extLst>
+          </p:cNvPr>
+          <p:cNvSpPr>
+            <a:spLocks noGrp="1"/>
+          </p:cNvSpPr>
+          <p:nvPr>
+            <p:ph sz="quarter" idx="10"/>
+          </p:nvPr>
+        </p:nvSpPr>
+        <p:spPr/>
+        <p:txBody>
+          <a:bodyPr>
+            <a:normAutofit fontScale="70000" lnSpcReduction="20000"/>
+          </a:bodyPr>
+          <a:lstStyle/>
+          <a:p>
+            <a:pPr marL="0" indent="0">
+              <a:lnSpc>
+                <a:spcPct val="120000"/>
+              </a:lnSpc>
+              <a:buNone/>
+            </a:pPr>
+            <a:r>
+              <a:rPr lang="en-US" b="1" dirty="0"/>
+              <a:t>Architecture Choices</a:t>
+            </a:r>
+          </a:p>
+          <a:p>
+            <a:pPr marL="285750" indent="-285750">
+              <a:lnSpc>
+                <a:spcPct val="120000"/>
+              </a:lnSpc>
+            </a:pPr>
+            <a:r>
+              <a:rPr lang="en-US" sz="2400" b="1" dirty="0"/>
+              <a:t>Single vs Multi-Agent: </a:t>
+            </a:r>
+            <a:r>
+              <a:rPr lang="en-US" sz="2400" dirty="0"/>
+              <a:t>Start single, split only for parallelism/boundaries</a:t>
+            </a:r>
+          </a:p>
+          <a:p>
+            <a:pPr marL="285750" indent="-285750">
+              <a:lnSpc>
+                <a:spcPct val="120000"/>
+              </a:lnSpc>
+            </a:pPr>
+            <a:r>
+              <a:rPr lang="en-US" sz="2400" b="1" dirty="0"/>
+              <a:t>Local vs Distributed: </a:t>
+            </a:r>
+            <a:r>
+              <a:rPr lang="en-US" sz="2400" dirty="0"/>
+              <a:t>Prototype local, distribute when scaling demands</a:t>
+            </a:r>
+          </a:p>
+          <a:p>
+            <a:pPr marL="285750" indent="-285750">
+              <a:lnSpc>
+                <a:spcPct val="120000"/>
+              </a:lnSpc>
+            </a:pPr>
+            <a:r>
+              <a:rPr lang="en-US" sz="2400" b="1" dirty="0"/>
+              <a:t>Declarative vs Custom: </a:t>
+            </a:r>
+            <a:r>
+              <a:rPr lang="en-US" sz="2400" dirty="0"/>
+              <a:t>Begin declarative, do custom for control</a:t>
+            </a:r>
+          </a:p>
+          <a:p>
+            <a:pPr marL="285750" indent="-285750">
+              <a:lnSpc>
+                <a:spcPct val="120000"/>
+              </a:lnSpc>
+            </a:pPr>
+            <a:r>
+              <a:rPr lang="en-US" sz="2400" b="1" dirty="0"/>
+              <a:t>LLMs vs SLMs:</a:t>
+            </a:r>
+            <a:r>
+              <a:rPr lang="en-US" sz="2400" dirty="0"/>
+              <a:t> Use SLMS for speed/cost/privacy, LLMs for complex reasoning or expanded context windows</a:t>
+            </a:r>
+          </a:p>
+          <a:p>
+            <a:pPr marL="0" indent="0">
+              <a:lnSpc>
+                <a:spcPct val="120000"/>
+              </a:lnSpc>
+              <a:buNone/>
+            </a:pPr>
+            <a:r>
+              <a:rPr lang="en-US" sz="2900" b="1" dirty="0"/>
+              <a:t>Production Readiness</a:t>
+            </a:r>
+          </a:p>
+          <a:p>
+            <a:pPr marL="285750" indent="-285750">
+              <a:lnSpc>
+                <a:spcPct val="120000"/>
+              </a:lnSpc>
+            </a:pPr>
+            <a:r>
+              <a:rPr lang="en-US" sz="2400" b="1" dirty="0"/>
+              <a:t>Protocols: </a:t>
+            </a:r>
+            <a:r>
+              <a:rPr lang="en-US" sz="2400" dirty="0"/>
+              <a:t>Adopt standards (MCP, A2A) for interoperability</a:t>
+            </a:r>
+          </a:p>
+          <a:p>
+            <a:pPr marL="285750" indent="-285750">
+              <a:lnSpc>
+                <a:spcPct val="120000"/>
+              </a:lnSpc>
+            </a:pPr>
+            <a:r>
+              <a:rPr lang="en-US" sz="2400" b="1" dirty="0"/>
+              <a:t>Evals: </a:t>
+            </a:r>
+            <a:r>
+              <a:rPr lang="en-US" sz="2400" dirty="0"/>
+              <a:t>Build agent-specific benchmarks before deployment</a:t>
+            </a:r>
+          </a:p>
+          <a:p>
+            <a:pPr marL="285750" indent="-285750">
+              <a:lnSpc>
+                <a:spcPct val="120000"/>
+              </a:lnSpc>
+            </a:pPr>
+            <a:r>
+              <a:rPr lang="en-US" sz="2400" b="1" dirty="0"/>
+              <a:t>Operations: </a:t>
+            </a:r>
+            <a:r>
+              <a:rPr lang="en-US" sz="2400" dirty="0"/>
+              <a:t>Invest in debugging, observability, replay capabilities</a:t>
+            </a:r>
+          </a:p>
+          <a:p>
+            <a:pPr marL="285750" indent="-285750">
+              <a:lnSpc>
+                <a:spcPct val="120000"/>
+              </a:lnSpc>
+            </a:pPr>
+            <a:r>
+              <a:rPr lang="en-US" sz="2400" b="1" dirty="0"/>
+              <a:t>Cost Controls:</a:t>
+            </a:r>
+            <a:r>
+              <a:rPr lang="en-US" sz="2400" dirty="0"/>
+              <a:t> Monitor token usage, implement semantic routing</a:t>
+            </a:r>
+          </a:p>
+        </p:txBody>
+      </p:sp>
+      <p:pic>
+        <p:nvPicPr>
+          <p:cNvPr id="3" name="Picture 2" descr="A white rectangular sign with black text&#10;&#10;AI-generated content may be incorrect.">
+            <a:extLst>
+              <a:ext uri="{FF2B5EF4-FFF2-40B4-BE49-F238E27FC236}">
+                <a16:creationId xmlns:a16="http://schemas.microsoft.com/office/drawing/2014/main" id="{671572C6-E978-8E77-2CE4-E42CE71C10E8}"/>
+              </a:ext>
+            </a:extLst>
+          </p:cNvPr>
+          <p:cNvPicPr>
+            <a:picLocks noChangeAspect="1"/>
+          </p:cNvPicPr>
+          <p:nvPr/>
+        </p:nvPicPr>
+        <p:blipFill>
+          <a:blip r:embed="rId2">
+            <a:extLst>
+              <a:ext uri="{28A0092B-C50C-407E-A947-70E740481C1C}">
+                <a14:useLocalDpi xmlns:a14="http://schemas.microsoft.com/office/drawing/2010/main" val="0"/>
+              </a:ext>
+            </a:extLst>
+          </a:blip>
+          <a:stretch>
+            <a:fillRect/>
+          </a:stretch>
+        </p:blipFill>
+        <p:spPr>
+          <a:xfrm>
+            <a:off x="3802642" y="1190805"/>
+            <a:ext cx="7702230" cy="1020625"/>
+          </a:xfrm>
+          <a:prstGeom prst="rect">
+            <a:avLst/>
+          </a:prstGeom>
+        </p:spPr>
+      </p:pic>
+    </p:spTree>
+    <p:extLst>
+      <p:ext uri="{BB962C8B-B14F-4D97-AF65-F5344CB8AC3E}">
+        <p14:creationId xmlns:p14="http://schemas.microsoft.com/office/powerpoint/2010/main" val="2656276241"/>
+      </p:ext>
+    </p:extLst>
+  </p:cSld>
+  <p:clrMapOvr>
+    <a:masterClrMapping/>
+  </p:clrMapOvr>
+</p:sld>
+</file>
+
 <file path=ppt/slides/slide2.xml><?xml version="1.0" encoding="utf-8"?>
 <p:sld xmlns:a="http://schemas.openxmlformats.org/drawingml/2006/main" xmlns:r="http://schemas.openxmlformats.org/officeDocument/2006/relationships" xmlns:p="http://schemas.openxmlformats.org/presentationml/2006/main">
   <p:cSld>
@@ -3244,13 +5505,8 @@
           <a:p>
             <a:r>
               <a:rPr lang="en-US" dirty="0"/>
-              <a:t>What is an </a:t>
-            </a:r>
-            <a:r>
-              <a:rPr lang="en-US" i="1" dirty="0"/>
-              <a:t>agent</a:t>
-            </a:r>
-            <a:endParaRPr lang="en-US" dirty="0"/>
+              <a:t>The Multi-Agent Landscape</a:t>
+            </a:r>
           </a:p>
         </p:txBody>
       </p:sp>
@@ -3284,130 +5540,126 @@
               <a:buNone/>
             </a:pPr>
             <a:r>
-              <a:rPr lang="en-US" dirty="0"/>
-              <a:t>An AI agent is an </a:t>
-            </a:r>
-            <a:r>
               <a:rPr lang="en-US" b="1" dirty="0"/>
-              <a:t>autonomous</a:t>
-            </a:r>
-            <a:r>
-              <a:rPr lang="en-US" dirty="0"/>
-              <a:t> system powered by (language) models that </a:t>
-            </a:r>
+              <a:t>Framework explosion</a:t>
+            </a:r>
+            <a:r>
+              <a:rPr lang="en-US" dirty="0"/>
+              <a:t>: </a:t>
+            </a:r>
+            <a:r>
+              <a:rPr lang="en-US" dirty="0" err="1"/>
+              <a:t>LangGraph</a:t>
+            </a:r>
+            <a:r>
+              <a:rPr lang="en-US" dirty="0"/>
+              <a:t>, </a:t>
+            </a:r>
+            <a:r>
+              <a:rPr lang="en-US" dirty="0" err="1"/>
+              <a:t>CrewAI</a:t>
+            </a:r>
+            <a:r>
+              <a:rPr lang="en-US" dirty="0"/>
+              <a:t>, OpenAI Agents SDK, </a:t>
+            </a:r>
+            <a:r>
+              <a:rPr lang="en-US" dirty="0" err="1"/>
+              <a:t>AutoGen</a:t>
+            </a:r>
+            <a:r>
+              <a:rPr lang="en-US" dirty="0"/>
+              <a:t>, </a:t>
+            </a:r>
+            <a:r>
+              <a:rPr lang="en-US" dirty="0" err="1"/>
+              <a:t>Pydantic</a:t>
+            </a:r>
+            <a:r>
+              <a:rPr lang="en-US" dirty="0"/>
+              <a:t>, SMOL, SWARM, …</a:t>
+            </a:r>
+          </a:p>
+          <a:p>
+            <a:pPr marL="0" indent="0">
+              <a:lnSpc>
+                <a:spcPct val="110000"/>
+              </a:lnSpc>
+              <a:buNone/>
+            </a:pPr>
             <a:r>
               <a:rPr lang="en-US" b="1" dirty="0"/>
-              <a:t>achieves goals </a:t>
-            </a:r>
-            <a:r>
-              <a:rPr lang="en-US" dirty="0"/>
-              <a:t>by:</a:t>
-            </a:r>
-          </a:p>
-          <a:p>
-            <a:pPr>
+              <a:t>Limited Production</a:t>
+            </a:r>
+            <a:r>
+              <a:rPr lang="en-US" dirty="0"/>
+              <a:t>: Most remain in PoC or pilot phase (</a:t>
+            </a:r>
+            <a:r>
+              <a:rPr lang="en-US" dirty="0" err="1"/>
+              <a:t>LangChain</a:t>
+            </a:r>
+            <a:r>
+              <a:rPr lang="en-US" dirty="0"/>
+              <a:t> State of AI Agents Report, 2024)</a:t>
+            </a:r>
+          </a:p>
+          <a:p>
+            <a:pPr marL="0" indent="0">
               <a:lnSpc>
                 <a:spcPct val="100000"/>
               </a:lnSpc>
-            </a:pPr>
-            <a:r>
-              <a:rPr lang="en-US" sz="2400" b="1" dirty="0"/>
-              <a:t>Reasoning</a:t>
-            </a:r>
-            <a:r>
-              <a:rPr lang="en-US" sz="2400" dirty="0"/>
-              <a:t>: Using LLM capabilities for logical thinking</a:t>
-            </a:r>
-          </a:p>
-          <a:p>
-            <a:pPr>
+              <a:buNone/>
+            </a:pPr>
+            <a:r>
+              <a:rPr lang="en-US" b="1" dirty="0"/>
+              <a:t>Deployment reality</a:t>
+            </a:r>
+            <a:r>
+              <a:rPr lang="en-US" dirty="0"/>
+              <a:t>: 67 agentic systems deployed by end of 2024 (MIT AI Agent Index)</a:t>
+            </a:r>
+          </a:p>
+          <a:p>
+            <a:pPr marL="0" indent="0" algn="ctr">
               <a:lnSpc>
                 <a:spcPct val="100000"/>
               </a:lnSpc>
-            </a:pPr>
-            <a:r>
-              <a:rPr lang="en-US" sz="2400" b="1" dirty="0"/>
-              <a:t>Planning</a:t>
-            </a:r>
-            <a:r>
-              <a:rPr lang="en-US" sz="2400" dirty="0"/>
-              <a:t>: Creating multi-step strategies</a:t>
-            </a:r>
-          </a:p>
-          <a:p>
-            <a:pPr>
+              <a:spcBef>
+                <a:spcPts val="1800"/>
+              </a:spcBef>
+              <a:buNone/>
+            </a:pPr>
+            <a:r>
+              <a:rPr lang="en-US" dirty="0"/>
+              <a:t>Two running examples throughout:</a:t>
+            </a:r>
+          </a:p>
+          <a:p>
+            <a:pPr marL="457200" lvl="1" indent="0" algn="ctr">
               <a:lnSpc>
                 <a:spcPct val="100000"/>
               </a:lnSpc>
-            </a:pPr>
-            <a:r>
-              <a:rPr lang="en-US" sz="2400" b="1" dirty="0"/>
-              <a:t>Acting</a:t>
-            </a:r>
-            <a:r>
-              <a:rPr lang="en-US" sz="2400" dirty="0"/>
-              <a:t>: Executing tools/APIs to effect change</a:t>
-            </a:r>
-          </a:p>
-          <a:p>
-            <a:pPr>
+              <a:buNone/>
+            </a:pPr>
+            <a:r>
+              <a:rPr lang="en-US" sz="2000" b="1" dirty="0"/>
+              <a:t>Academic Research Assistant</a:t>
+            </a:r>
+            <a:endParaRPr lang="en-US" sz="2000" dirty="0"/>
+          </a:p>
+          <a:p>
+            <a:pPr marL="457200" lvl="1" indent="0" algn="ctr">
               <a:lnSpc>
                 <a:spcPct val="100000"/>
               </a:lnSpc>
-            </a:pPr>
-            <a:r>
-              <a:rPr lang="en-US" sz="2400" b="1" dirty="0"/>
-              <a:t>Observing</a:t>
-            </a:r>
-            <a:r>
-              <a:rPr lang="en-US" sz="2400" dirty="0"/>
-              <a:t>: Monitoring outcomes and environment</a:t>
-            </a:r>
-          </a:p>
-          <a:p>
-            <a:pPr>
-              <a:lnSpc>
-                <a:spcPct val="100000"/>
-              </a:lnSpc>
-            </a:pPr>
-            <a:r>
-              <a:rPr lang="en-US" sz="2400" b="1" dirty="0"/>
-              <a:t>Self-Correcting</a:t>
-            </a:r>
-            <a:r>
-              <a:rPr lang="en-US" sz="2400" dirty="0"/>
-              <a:t>: Adapting strategy based on feedback</a:t>
-            </a:r>
-          </a:p>
-          <a:p>
-            <a:pPr marL="0" indent="0">
-              <a:lnSpc>
-                <a:spcPct val="100000"/>
-              </a:lnSpc>
               <a:buNone/>
             </a:pPr>
             <a:r>
-              <a:rPr lang="en-US" sz="2200" dirty="0"/>
-              <a:t>Key differentiator: </a:t>
-            </a:r>
-            <a:r>
-              <a:rPr lang="en-US" sz="2200" b="1" dirty="0"/>
-              <a:t>autonomy</a:t>
-            </a:r>
-            <a:r>
-              <a:rPr lang="en-US" sz="2200" dirty="0"/>
-              <a:t> - agents maintain self-directed control over their process, dynamically adjusting their approach rather than following scripted paths.</a:t>
-            </a:r>
-            <a:endParaRPr lang="en-US" sz="1900" dirty="0"/>
-          </a:p>
-          <a:p>
-            <a:pPr marL="0" indent="0">
-              <a:lnSpc>
-                <a:spcPct val="100000"/>
-              </a:lnSpc>
-              <a:buNone/>
-            </a:pPr>
-            <a:endParaRPr lang="en-US" dirty="0"/>
+              <a:rPr lang="en-US" sz="2000" b="1" dirty="0"/>
+              <a:t>LinkedIn Hiring Assistant</a:t>
+            </a:r>
+            <a:endParaRPr lang="en-US" sz="2000" dirty="0"/>
           </a:p>
         </p:txBody>
       </p:sp>
@@ -3415,6 +5667,232 @@
     <p:extLst>
       <p:ext uri="{BB962C8B-B14F-4D97-AF65-F5344CB8AC3E}">
         <p14:creationId xmlns:p14="http://schemas.microsoft.com/office/powerpoint/2010/main" val="1228950817"/>
+      </p:ext>
+    </p:extLst>
+  </p:cSld>
+  <p:clrMapOvr>
+    <a:masterClrMapping/>
+  </p:clrMapOvr>
+</p:sld>
+</file>
+
+<file path=ppt/slides/slide3.xml><?xml version="1.0" encoding="utf-8"?>
+<p:sld xmlns:a="http://schemas.openxmlformats.org/drawingml/2006/main" xmlns:r="http://schemas.openxmlformats.org/officeDocument/2006/relationships" xmlns:p="http://schemas.openxmlformats.org/presentationml/2006/main">
+  <p:cSld>
+    <p:spTree>
+      <p:nvGrpSpPr>
+        <p:cNvPr id="1" name="">
+          <a:extLst>
+            <a:ext uri="{FF2B5EF4-FFF2-40B4-BE49-F238E27FC236}">
+              <a16:creationId xmlns:a16="http://schemas.microsoft.com/office/drawing/2014/main" id="{32D8F41B-5F34-D611-43AB-A06552B4B642}"/>
+            </a:ext>
+          </a:extLst>
+        </p:cNvPr>
+        <p:cNvGrpSpPr/>
+        <p:nvPr/>
+      </p:nvGrpSpPr>
+      <p:grpSpPr>
+        <a:xfrm>
+          <a:off x="0" y="0"/>
+          <a:ext cx="0" cy="0"/>
+          <a:chOff x="0" y="0"/>
+          <a:chExt cx="0" cy="0"/>
+        </a:xfrm>
+      </p:grpSpPr>
+      <p:sp>
+        <p:nvSpPr>
+          <p:cNvPr id="10" name="Title 9">
+            <a:extLst>
+              <a:ext uri="{FF2B5EF4-FFF2-40B4-BE49-F238E27FC236}">
+                <a16:creationId xmlns:a16="http://schemas.microsoft.com/office/drawing/2014/main" id="{706627FC-6A66-E960-601E-98D875D0E9E1}"/>
+              </a:ext>
+            </a:extLst>
+          </p:cNvPr>
+          <p:cNvSpPr>
+            <a:spLocks noGrp="1"/>
+          </p:cNvSpPr>
+          <p:nvPr>
+            <p:ph type="title"/>
+          </p:nvPr>
+        </p:nvSpPr>
+        <p:spPr/>
+        <p:txBody>
+          <a:bodyPr/>
+          <a:lstStyle/>
+          <a:p>
+            <a:r>
+              <a:rPr lang="en-US" dirty="0"/>
+              <a:t>What is an </a:t>
+            </a:r>
+            <a:r>
+              <a:rPr lang="en-US" i="1" dirty="0"/>
+              <a:t>agent</a:t>
+            </a:r>
+            <a:endParaRPr lang="en-US" dirty="0"/>
+          </a:p>
+        </p:txBody>
+      </p:sp>
+      <p:sp>
+        <p:nvSpPr>
+          <p:cNvPr id="11" name="Content Placeholder 10">
+            <a:extLst>
+              <a:ext uri="{FF2B5EF4-FFF2-40B4-BE49-F238E27FC236}">
+                <a16:creationId xmlns:a16="http://schemas.microsoft.com/office/drawing/2014/main" id="{28C10E0D-EE97-58AA-AA68-4B98A7EEBD40}"/>
+              </a:ext>
+            </a:extLst>
+          </p:cNvPr>
+          <p:cNvSpPr>
+            <a:spLocks noGrp="1"/>
+          </p:cNvSpPr>
+          <p:nvPr>
+            <p:ph sz="quarter" idx="10"/>
+          </p:nvPr>
+        </p:nvSpPr>
+        <p:spPr/>
+        <p:txBody>
+          <a:bodyPr>
+            <a:normAutofit lnSpcReduction="10000"/>
+          </a:bodyPr>
+          <a:lstStyle/>
+          <a:p>
+            <a:pPr marL="0" indent="0">
+              <a:lnSpc>
+                <a:spcPct val="110000"/>
+              </a:lnSpc>
+              <a:buNone/>
+            </a:pPr>
+            <a:r>
+              <a:rPr lang="en-US" dirty="0"/>
+              <a:t>An AI agent is an </a:t>
+            </a:r>
+            <a:r>
+              <a:rPr lang="en-US" b="1" dirty="0"/>
+              <a:t>autonomous</a:t>
+            </a:r>
+            <a:r>
+              <a:rPr lang="en-US" dirty="0"/>
+              <a:t> system powered by (language) models that </a:t>
+            </a:r>
+            <a:r>
+              <a:rPr lang="en-US" b="1" dirty="0"/>
+              <a:t>achieves goals </a:t>
+            </a:r>
+            <a:r>
+              <a:rPr lang="en-US" dirty="0"/>
+              <a:t>by:</a:t>
+            </a:r>
+          </a:p>
+          <a:p>
+            <a:pPr>
+              <a:lnSpc>
+                <a:spcPct val="100000"/>
+              </a:lnSpc>
+            </a:pPr>
+            <a:r>
+              <a:rPr lang="en-US" sz="2400" b="1" dirty="0"/>
+              <a:t>Reasoning</a:t>
+            </a:r>
+            <a:r>
+              <a:rPr lang="en-US" sz="2400" dirty="0"/>
+              <a:t>: Using LLM capabilities for logical thinking</a:t>
+            </a:r>
+          </a:p>
+          <a:p>
+            <a:pPr>
+              <a:lnSpc>
+                <a:spcPct val="100000"/>
+              </a:lnSpc>
+            </a:pPr>
+            <a:r>
+              <a:rPr lang="en-US" sz="2400" b="1" dirty="0"/>
+              <a:t>Planning</a:t>
+            </a:r>
+            <a:r>
+              <a:rPr lang="en-US" sz="2400" dirty="0"/>
+              <a:t>: Creating multi-step strategies</a:t>
+            </a:r>
+          </a:p>
+          <a:p>
+            <a:pPr>
+              <a:lnSpc>
+                <a:spcPct val="100000"/>
+              </a:lnSpc>
+            </a:pPr>
+            <a:r>
+              <a:rPr lang="en-US" sz="2400" b="1" dirty="0"/>
+              <a:t>Acting</a:t>
+            </a:r>
+            <a:r>
+              <a:rPr lang="en-US" sz="2400" dirty="0"/>
+              <a:t>: Executing tools/APIs to effect change</a:t>
+            </a:r>
+          </a:p>
+          <a:p>
+            <a:pPr>
+              <a:lnSpc>
+                <a:spcPct val="100000"/>
+              </a:lnSpc>
+            </a:pPr>
+            <a:r>
+              <a:rPr lang="en-US" sz="2400" b="1" dirty="0"/>
+              <a:t>Observing</a:t>
+            </a:r>
+            <a:r>
+              <a:rPr lang="en-US" sz="2400" dirty="0"/>
+              <a:t>: Monitoring outcomes and environment</a:t>
+            </a:r>
+          </a:p>
+          <a:p>
+            <a:pPr>
+              <a:lnSpc>
+                <a:spcPct val="100000"/>
+              </a:lnSpc>
+            </a:pPr>
+            <a:r>
+              <a:rPr lang="en-US" sz="2400" b="1" dirty="0"/>
+              <a:t>Self-Correcting</a:t>
+            </a:r>
+            <a:r>
+              <a:rPr lang="en-US" sz="2400" dirty="0"/>
+              <a:t>: Adapting strategy based on feedback</a:t>
+            </a:r>
+          </a:p>
+          <a:p>
+            <a:pPr marL="0" indent="0">
+              <a:lnSpc>
+                <a:spcPct val="100000"/>
+              </a:lnSpc>
+              <a:buNone/>
+            </a:pPr>
+            <a:r>
+              <a:rPr lang="en-US" sz="2200" dirty="0"/>
+              <a:t>Key differentiator: </a:t>
+            </a:r>
+            <a:r>
+              <a:rPr lang="en-US" sz="2200" b="1" dirty="0"/>
+              <a:t>autonomy</a:t>
+            </a:r>
+            <a:r>
+              <a:rPr lang="en-US" sz="2200" dirty="0"/>
+              <a:t> - agents maintain self-directed control over their process, dynamically adjusting their approach rather than following scripted paths.</a:t>
+            </a:r>
+            <a:endParaRPr lang="en-US" sz="1900" dirty="0"/>
+          </a:p>
+          <a:p>
+            <a:pPr marL="0" indent="0">
+              <a:lnSpc>
+                <a:spcPct val="100000"/>
+              </a:lnSpc>
+              <a:buNone/>
+            </a:pPr>
+            <a:endParaRPr lang="en-US" dirty="0"/>
+          </a:p>
+        </p:txBody>
+      </p:sp>
+    </p:spTree>
+    <p:extLst>
+      <p:ext uri="{BB962C8B-B14F-4D97-AF65-F5344CB8AC3E}">
+        <p14:creationId xmlns:p14="http://schemas.microsoft.com/office/powerpoint/2010/main" val="782744446"/>
       </p:ext>
     </p:extLst>
   </p:cSld>
@@ -3820,7 +6298,7 @@
 </p:sld>
 </file>
 
-<file path=ppt/slides/slide3.xml><?xml version="1.0" encoding="utf-8"?>
+<file path=ppt/slides/slide4.xml><?xml version="1.0" encoding="utf-8"?>
 <p:sld xmlns:a="http://schemas.openxmlformats.org/drawingml/2006/main" xmlns:r="http://schemas.openxmlformats.org/officeDocument/2006/relationships" xmlns:p="http://schemas.openxmlformats.org/presentationml/2006/main">
   <p:cSld>
     <p:spTree>
@@ -3901,7 +6379,7 @@
           <a:p>
             <a:pPr marL="0" indent="0">
               <a:lnSpc>
-                <a:spcPct val="120000"/>
+                <a:spcPct val="100000"/>
               </a:lnSpc>
               <a:buNone/>
             </a:pPr>
@@ -3921,7 +6399,7 @@
           <a:p>
             <a:pPr>
               <a:lnSpc>
-                <a:spcPct val="120000"/>
+                <a:spcPct val="100000"/>
               </a:lnSpc>
             </a:pPr>
             <a:r>
@@ -3936,7 +6414,7 @@
           <a:p>
             <a:pPr>
               <a:lnSpc>
-                <a:spcPct val="120000"/>
+                <a:spcPct val="100000"/>
               </a:lnSpc>
             </a:pPr>
             <a:r>
@@ -3951,7 +6429,7 @@
           <a:p>
             <a:pPr>
               <a:lnSpc>
-                <a:spcPct val="120000"/>
+                <a:spcPct val="100000"/>
               </a:lnSpc>
             </a:pPr>
             <a:r>
@@ -3967,7 +6445,7 @@
           <a:p>
             <a:pPr>
               <a:lnSpc>
-                <a:spcPct val="120000"/>
+                <a:spcPct val="100000"/>
               </a:lnSpc>
             </a:pPr>
             <a:r>
@@ -3994,7 +6472,7 @@
 </p:sld>
 </file>
 
-<file path=ppt/slides/slide4.xml><?xml version="1.0" encoding="utf-8"?>
+<file path=ppt/slides/slide5.xml><?xml version="1.0" encoding="utf-8"?>
 <p:sld xmlns:a="http://schemas.openxmlformats.org/drawingml/2006/main" xmlns:r="http://schemas.openxmlformats.org/officeDocument/2006/relationships" xmlns:p="http://schemas.openxmlformats.org/presentationml/2006/main">
   <p:cSld>
     <p:spTree>
@@ -4064,13 +6542,13 @@
         <p:spPr/>
         <p:txBody>
           <a:bodyPr>
-            <a:normAutofit fontScale="92500" lnSpcReduction="10000"/>
+            <a:normAutofit fontScale="92500"/>
           </a:bodyPr>
           <a:lstStyle/>
           <a:p>
             <a:pPr marL="0" indent="0">
               <a:lnSpc>
-                <a:spcPct val="120000"/>
+                <a:spcPct val="110000"/>
               </a:lnSpc>
               <a:buNone/>
             </a:pPr>
@@ -4106,7 +6584,7 @@
           <a:p>
             <a:r>
               <a:rPr lang="en-US" sz="2600" dirty="0"/>
-              <a:t>Call different models via tool use (GPT-4 for reasoning, Claude for coding)</a:t>
+              <a:t>Call different models via tool use (GPT-5 for reasoning, Claude for coding)</a:t>
             </a:r>
           </a:p>
           <a:p>
@@ -4532,7 +7010,746 @@
 </p:sld>
 </file>
 
-<file path=ppt/slides/slide5.xml><?xml version="1.0" encoding="utf-8"?>
+<file path=ppt/slides/slide6.xml><?xml version="1.0" encoding="utf-8"?>
+<p:sld xmlns:a="http://schemas.openxmlformats.org/drawingml/2006/main" xmlns:r="http://schemas.openxmlformats.org/officeDocument/2006/relationships" xmlns:p="http://schemas.openxmlformats.org/presentationml/2006/main">
+  <p:cSld>
+    <p:spTree>
+      <p:nvGrpSpPr>
+        <p:cNvPr id="1" name=""/>
+        <p:cNvGrpSpPr/>
+        <p:nvPr/>
+      </p:nvGrpSpPr>
+      <p:grpSpPr>
+        <a:xfrm>
+          <a:off x="0" y="0"/>
+          <a:ext cx="0" cy="0"/>
+          <a:chOff x="0" y="0"/>
+          <a:chExt cx="0" cy="0"/>
+        </a:xfrm>
+      </p:grpSpPr>
+      <p:pic>
+        <p:nvPicPr>
+          <p:cNvPr id="7" name="Picture 6" descr="A diagram of a process&#10;&#10;AI-generated content may be incorrect.">
+            <a:extLst>
+              <a:ext uri="{FF2B5EF4-FFF2-40B4-BE49-F238E27FC236}">
+                <a16:creationId xmlns:a16="http://schemas.microsoft.com/office/drawing/2014/main" id="{E1089C61-45EB-3C13-AB4C-53F09283478A}"/>
+              </a:ext>
+            </a:extLst>
+          </p:cNvPr>
+          <p:cNvPicPr>
+            <a:picLocks noChangeAspect="1"/>
+          </p:cNvPicPr>
+          <p:nvPr/>
+        </p:nvPicPr>
+        <p:blipFill>
+          <a:blip r:embed="rId2">
+            <a:extLst>
+              <a:ext uri="{28A0092B-C50C-407E-A947-70E740481C1C}">
+                <a14:useLocalDpi xmlns:a14="http://schemas.microsoft.com/office/drawing/2010/main" val="0"/>
+              </a:ext>
+            </a:extLst>
+          </a:blip>
+          <a:stretch>
+            <a:fillRect/>
+          </a:stretch>
+        </p:blipFill>
+        <p:spPr>
+          <a:xfrm>
+            <a:off x="964606" y="2159917"/>
+            <a:ext cx="9339736" cy="2090780"/>
+          </a:xfrm>
+          <a:prstGeom prst="rect">
+            <a:avLst/>
+          </a:prstGeom>
+        </p:spPr>
+      </p:pic>
+      <p:sp>
+        <p:nvSpPr>
+          <p:cNvPr id="4" name="Title 3">
+            <a:extLst>
+              <a:ext uri="{FF2B5EF4-FFF2-40B4-BE49-F238E27FC236}">
+                <a16:creationId xmlns:a16="http://schemas.microsoft.com/office/drawing/2014/main" id="{D5B55A33-1C5D-92CD-5A89-866C91759FAE}"/>
+              </a:ext>
+            </a:extLst>
+          </p:cNvPr>
+          <p:cNvSpPr>
+            <a:spLocks noGrp="1"/>
+          </p:cNvSpPr>
+          <p:nvPr>
+            <p:ph type="title"/>
+          </p:nvPr>
+        </p:nvSpPr>
+        <p:spPr/>
+        <p:txBody>
+          <a:bodyPr/>
+          <a:lstStyle/>
+          <a:p>
+            <a:r>
+              <a:rPr lang="en-US" dirty="0"/>
+              <a:t>Research Assistant</a:t>
+            </a:r>
+          </a:p>
+        </p:txBody>
+      </p:sp>
+      <p:sp>
+        <p:nvSpPr>
+          <p:cNvPr id="5" name="Content Placeholder 4">
+            <a:extLst>
+              <a:ext uri="{FF2B5EF4-FFF2-40B4-BE49-F238E27FC236}">
+                <a16:creationId xmlns:a16="http://schemas.microsoft.com/office/drawing/2014/main" id="{40F591B0-AFAF-DC25-6746-319661C8CB9C}"/>
+              </a:ext>
+            </a:extLst>
+          </p:cNvPr>
+          <p:cNvSpPr>
+            <a:spLocks noGrp="1"/>
+          </p:cNvSpPr>
+          <p:nvPr>
+            <p:ph sz="quarter" idx="10"/>
+          </p:nvPr>
+        </p:nvSpPr>
+        <p:spPr>
+          <a:xfrm>
+            <a:off x="838200" y="3556700"/>
+            <a:ext cx="10515600" cy="2733263"/>
+          </a:xfrm>
+        </p:spPr>
+        <p:txBody>
+          <a:bodyPr/>
+          <a:lstStyle/>
+          <a:p>
+            <a:pPr marL="0" indent="0">
+              <a:buNone/>
+            </a:pPr>
+            <a:endParaRPr lang="en-US" dirty="0"/>
+          </a:p>
+          <a:p>
+            <a:pPr marL="0" indent="0">
+              <a:buNone/>
+            </a:pPr>
+            <a:r>
+              <a:rPr lang="en-US" b="1" dirty="0"/>
+              <a:t>Why split?</a:t>
+            </a:r>
+          </a:p>
+          <a:p>
+            <a:r>
+              <a:rPr lang="en-US" dirty="0"/>
+              <a:t>Specialization of expertise</a:t>
+            </a:r>
+          </a:p>
+          <a:p>
+            <a:r>
+              <a:rPr lang="en-US" dirty="0"/>
+              <a:t>Parallel execution capabilities</a:t>
+            </a:r>
+          </a:p>
+          <a:p>
+            <a:r>
+              <a:rPr lang="en-US" dirty="0"/>
+              <a:t>Independent scaling and updates</a:t>
+            </a:r>
+          </a:p>
+        </p:txBody>
+      </p:sp>
+    </p:spTree>
+    <p:extLst>
+      <p:ext uri="{BB962C8B-B14F-4D97-AF65-F5344CB8AC3E}">
+        <p14:creationId xmlns:p14="http://schemas.microsoft.com/office/powerpoint/2010/main" val="1629373725"/>
+      </p:ext>
+    </p:extLst>
+  </p:cSld>
+  <p:clrMapOvr>
+    <a:masterClrMapping/>
+  </p:clrMapOvr>
+</p:sld>
+</file>
+
+<file path=ppt/slides/slide7.xml><?xml version="1.0" encoding="utf-8"?>
+<p:sld xmlns:a="http://schemas.openxmlformats.org/drawingml/2006/main" xmlns:r="http://schemas.openxmlformats.org/officeDocument/2006/relationships" xmlns:p="http://schemas.openxmlformats.org/presentationml/2006/main">
+  <p:cSld>
+    <p:spTree>
+      <p:nvGrpSpPr>
+        <p:cNvPr id="1" name="">
+          <a:extLst>
+            <a:ext uri="{FF2B5EF4-FFF2-40B4-BE49-F238E27FC236}">
+              <a16:creationId xmlns:a16="http://schemas.microsoft.com/office/drawing/2014/main" id="{4251FAEF-289B-CED2-D860-C3DCFE1610E2}"/>
+            </a:ext>
+          </a:extLst>
+        </p:cNvPr>
+        <p:cNvGrpSpPr/>
+        <p:nvPr/>
+      </p:nvGrpSpPr>
+      <p:grpSpPr>
+        <a:xfrm>
+          <a:off x="0" y="0"/>
+          <a:ext cx="0" cy="0"/>
+          <a:chOff x="0" y="0"/>
+          <a:chExt cx="0" cy="0"/>
+        </a:xfrm>
+      </p:grpSpPr>
+      <p:pic>
+        <p:nvPicPr>
+          <p:cNvPr id="7" name="Picture 6">
+            <a:extLst>
+              <a:ext uri="{FF2B5EF4-FFF2-40B4-BE49-F238E27FC236}">
+                <a16:creationId xmlns:a16="http://schemas.microsoft.com/office/drawing/2014/main" id="{ABD13139-15BF-E52E-7852-55491A0BDE27}"/>
+              </a:ext>
+            </a:extLst>
+          </p:cNvPr>
+          <p:cNvPicPr>
+            <a:picLocks noChangeAspect="1"/>
+          </p:cNvPicPr>
+          <p:nvPr/>
+        </p:nvPicPr>
+        <p:blipFill>
+          <a:blip r:embed="rId2">
+            <a:extLst>
+              <a:ext uri="{28A0092B-C50C-407E-A947-70E740481C1C}">
+                <a14:useLocalDpi xmlns:a14="http://schemas.microsoft.com/office/drawing/2010/main" val="0"/>
+              </a:ext>
+            </a:extLst>
+          </a:blip>
+          <a:srcRect/>
+          <a:stretch/>
+        </p:blipFill>
+        <p:spPr>
+          <a:xfrm>
+            <a:off x="2025074" y="1650569"/>
+            <a:ext cx="8141853" cy="3037668"/>
+          </a:xfrm>
+          <a:prstGeom prst="rect">
+            <a:avLst/>
+          </a:prstGeom>
+        </p:spPr>
+      </p:pic>
+      <p:sp>
+        <p:nvSpPr>
+          <p:cNvPr id="4" name="Title 3">
+            <a:extLst>
+              <a:ext uri="{FF2B5EF4-FFF2-40B4-BE49-F238E27FC236}">
+                <a16:creationId xmlns:a16="http://schemas.microsoft.com/office/drawing/2014/main" id="{98E891FA-3133-97B7-E4E4-4A7F7C3E1A46}"/>
+              </a:ext>
+            </a:extLst>
+          </p:cNvPr>
+          <p:cNvSpPr>
+            <a:spLocks noGrp="1"/>
+          </p:cNvSpPr>
+          <p:nvPr>
+            <p:ph type="title"/>
+          </p:nvPr>
+        </p:nvSpPr>
+        <p:spPr/>
+        <p:txBody>
+          <a:bodyPr/>
+          <a:lstStyle/>
+          <a:p>
+            <a:r>
+              <a:rPr lang="en-US" dirty="0"/>
+              <a:t>Hiring Assistant</a:t>
+            </a:r>
+          </a:p>
+        </p:txBody>
+      </p:sp>
+      <p:sp>
+        <p:nvSpPr>
+          <p:cNvPr id="5" name="Content Placeholder 4">
+            <a:extLst>
+              <a:ext uri="{FF2B5EF4-FFF2-40B4-BE49-F238E27FC236}">
+                <a16:creationId xmlns:a16="http://schemas.microsoft.com/office/drawing/2014/main" id="{E1B16C16-C56A-083A-512D-814901FC9AD0}"/>
+              </a:ext>
+            </a:extLst>
+          </p:cNvPr>
+          <p:cNvSpPr>
+            <a:spLocks noGrp="1"/>
+          </p:cNvSpPr>
+          <p:nvPr>
+            <p:ph sz="quarter" idx="10"/>
+          </p:nvPr>
+        </p:nvSpPr>
+        <p:spPr>
+          <a:xfrm>
+            <a:off x="838200" y="4250697"/>
+            <a:ext cx="10515600" cy="2039266"/>
+          </a:xfrm>
+        </p:spPr>
+        <p:txBody>
+          <a:bodyPr/>
+          <a:lstStyle/>
+          <a:p>
+            <a:pPr marL="0" indent="0">
+              <a:buNone/>
+            </a:pPr>
+            <a:endParaRPr lang="en-US" dirty="0"/>
+          </a:p>
+          <a:p>
+            <a:r>
+              <a:rPr lang="en-US" b="1" dirty="0" err="1"/>
+              <a:t>AgentsOS</a:t>
+            </a:r>
+            <a:r>
+              <a:rPr lang="en-US" dirty="0"/>
+              <a:t>: Custom 4-layer platform infrastructure</a:t>
+            </a:r>
+            <a:endParaRPr lang="en-US" b="1" dirty="0"/>
+          </a:p>
+          <a:p>
+            <a:r>
+              <a:rPr lang="en-US" b="1" dirty="0"/>
+              <a:t>Ambient agent pattern</a:t>
+            </a:r>
+            <a:r>
+              <a:rPr lang="en-US" dirty="0"/>
+              <a:t>: Async, non-blocking execution</a:t>
+            </a:r>
+            <a:endParaRPr lang="en-US" b="1" dirty="0"/>
+          </a:p>
+          <a:p>
+            <a:r>
+              <a:rPr lang="en-US" b="1" dirty="0"/>
+              <a:t>Charter customer program</a:t>
+            </a:r>
+            <a:r>
+              <a:rPr lang="en-US" dirty="0"/>
+              <a:t>: Enterprise production deployment</a:t>
+            </a:r>
+            <a:endParaRPr lang="en-US" b="1" dirty="0"/>
+          </a:p>
+        </p:txBody>
+      </p:sp>
+    </p:spTree>
+    <p:extLst>
+      <p:ext uri="{BB962C8B-B14F-4D97-AF65-F5344CB8AC3E}">
+        <p14:creationId xmlns:p14="http://schemas.microsoft.com/office/powerpoint/2010/main" val="3889327808"/>
+      </p:ext>
+    </p:extLst>
+  </p:cSld>
+  <p:clrMapOvr>
+    <a:masterClrMapping/>
+  </p:clrMapOvr>
+</p:sld>
+</file>
+
+<file path=ppt/slides/slide8.xml><?xml version="1.0" encoding="utf-8"?>
+<p:sld xmlns:a="http://schemas.openxmlformats.org/drawingml/2006/main" xmlns:r="http://schemas.openxmlformats.org/officeDocument/2006/relationships" xmlns:p="http://schemas.openxmlformats.org/presentationml/2006/main">
+  <p:cSld>
+    <p:spTree>
+      <p:nvGrpSpPr>
+        <p:cNvPr id="1" name="">
+          <a:extLst>
+            <a:ext uri="{FF2B5EF4-FFF2-40B4-BE49-F238E27FC236}">
+              <a16:creationId xmlns:a16="http://schemas.microsoft.com/office/drawing/2014/main" id="{41FE3976-5317-7B80-7862-EBD7066AC4C5}"/>
+            </a:ext>
+          </a:extLst>
+        </p:cNvPr>
+        <p:cNvGrpSpPr/>
+        <p:nvPr/>
+      </p:nvGrpSpPr>
+      <p:grpSpPr>
+        <a:xfrm>
+          <a:off x="0" y="0"/>
+          <a:ext cx="0" cy="0"/>
+          <a:chOff x="0" y="0"/>
+          <a:chExt cx="0" cy="0"/>
+        </a:xfrm>
+      </p:grpSpPr>
+      <p:sp>
+        <p:nvSpPr>
+          <p:cNvPr id="10" name="Title 9">
+            <a:extLst>
+              <a:ext uri="{FF2B5EF4-FFF2-40B4-BE49-F238E27FC236}">
+                <a16:creationId xmlns:a16="http://schemas.microsoft.com/office/drawing/2014/main" id="{8054E01A-D925-9F6C-F98C-2536BD5C944D}"/>
+              </a:ext>
+            </a:extLst>
+          </p:cNvPr>
+          <p:cNvSpPr>
+            <a:spLocks noGrp="1"/>
+          </p:cNvSpPr>
+          <p:nvPr>
+            <p:ph type="title"/>
+          </p:nvPr>
+        </p:nvSpPr>
+        <p:spPr/>
+        <p:txBody>
+          <a:bodyPr/>
+          <a:lstStyle/>
+          <a:p>
+            <a:r>
+              <a:rPr lang="en-US" dirty="0"/>
+              <a:t>When to use multi-agent systems?</a:t>
+            </a:r>
+          </a:p>
+        </p:txBody>
+      </p:sp>
+      <p:sp>
+        <p:nvSpPr>
+          <p:cNvPr id="11" name="Content Placeholder 10">
+            <a:extLst>
+              <a:ext uri="{FF2B5EF4-FFF2-40B4-BE49-F238E27FC236}">
+                <a16:creationId xmlns:a16="http://schemas.microsoft.com/office/drawing/2014/main" id="{143ABE8E-1525-44B0-EB3B-CEAB75288B75}"/>
+              </a:ext>
+            </a:extLst>
+          </p:cNvPr>
+          <p:cNvSpPr>
+            <a:spLocks noGrp="1"/>
+          </p:cNvSpPr>
+          <p:nvPr>
+            <p:ph sz="quarter" idx="10"/>
+          </p:nvPr>
+        </p:nvSpPr>
+        <p:spPr/>
+        <p:txBody>
+          <a:bodyPr>
+            <a:normAutofit fontScale="92500"/>
+          </a:bodyPr>
+          <a:lstStyle/>
+          <a:p>
+            <a:pPr marL="0" indent="0">
+              <a:lnSpc>
+                <a:spcPct val="110000"/>
+              </a:lnSpc>
+              <a:buNone/>
+            </a:pPr>
+            <a:r>
+              <a:rPr lang="en-US" b="1" dirty="0"/>
+              <a:t>Hard Requirements for Multi-Agent</a:t>
+            </a:r>
+            <a:endParaRPr lang="en-US" dirty="0"/>
+          </a:p>
+          <a:p>
+            <a:pPr>
+              <a:lnSpc>
+                <a:spcPct val="110000"/>
+              </a:lnSpc>
+            </a:pPr>
+            <a:r>
+              <a:rPr lang="en-US" b="1" dirty="0"/>
+              <a:t>Physical parallelism with latency constraints</a:t>
+            </a:r>
+            <a:r>
+              <a:rPr lang="en-US" dirty="0"/>
+              <a:t> - When you MUST process in multiple locations simultaneously (edge computing, geographic distribution)</a:t>
+            </a:r>
+          </a:p>
+          <a:p>
+            <a:pPr>
+              <a:lnSpc>
+                <a:spcPct val="110000"/>
+              </a:lnSpc>
+            </a:pPr>
+            <a:r>
+              <a:rPr lang="en-US" b="1" dirty="0"/>
+              <a:t>Regulatory/security boundaries</a:t>
+            </a:r>
+            <a:r>
+              <a:rPr lang="en-US" dirty="0"/>
+              <a:t> - When different parts of the system need different data access, compliance rules, or security clearances</a:t>
+            </a:r>
+          </a:p>
+          <a:p>
+            <a:pPr>
+              <a:lnSpc>
+                <a:spcPct val="110000"/>
+              </a:lnSpc>
+            </a:pPr>
+            <a:r>
+              <a:rPr lang="en-US" b="1" dirty="0"/>
+              <a:t>Organizational boundaries</a:t>
+            </a:r>
+            <a:r>
+              <a:rPr lang="en-US" dirty="0"/>
+              <a:t> - When different teams/companies need to deploy and manage their agents independently</a:t>
+            </a:r>
+          </a:p>
+        </p:txBody>
+      </p:sp>
+    </p:spTree>
+    <p:extLst>
+      <p:ext uri="{BB962C8B-B14F-4D97-AF65-F5344CB8AC3E}">
+        <p14:creationId xmlns:p14="http://schemas.microsoft.com/office/powerpoint/2010/main" val="3146206931"/>
+      </p:ext>
+    </p:extLst>
+  </p:cSld>
+  <p:clrMapOvr>
+    <a:masterClrMapping/>
+  </p:clrMapOvr>
+  <p:timing>
+    <p:tnLst>
+      <p:par>
+        <p:cTn id="1" dur="indefinite" restart="never" nodeType="tmRoot">
+          <p:childTnLst>
+            <p:seq concurrent="1" nextAc="seek">
+              <p:cTn id="2" dur="indefinite" nodeType="mainSeq">
+                <p:childTnLst>
+                  <p:par>
+                    <p:cTn id="3" fill="hold">
+                      <p:stCondLst>
+                        <p:cond delay="indefinite"/>
+                      </p:stCondLst>
+                      <p:childTnLst>
+                        <p:par>
+                          <p:cTn id="4" fill="hold">
+                            <p:stCondLst>
+                              <p:cond delay="0"/>
+                            </p:stCondLst>
+                            <p:childTnLst>
+                              <p:par>
+                                <p:cTn id="5" presetID="10" presetClass="entr" presetSubtype="0" fill="hold" nodeType="clickEffect">
+                                  <p:stCondLst>
+                                    <p:cond delay="0"/>
+                                  </p:stCondLst>
+                                  <p:childTnLst>
+                                    <p:set>
+                                      <p:cBhvr>
+                                        <p:cTn id="6" dur="1" fill="hold">
+                                          <p:stCondLst>
+                                            <p:cond delay="0"/>
+                                          </p:stCondLst>
+                                        </p:cTn>
+                                        <p:tgtEl>
+                                          <p:spTgt spid="11">
+                                            <p:txEl>
+                                              <p:pRg st="0" end="0"/>
+                                            </p:txEl>
+                                          </p:spTgt>
+                                        </p:tgtEl>
+                                        <p:attrNameLst>
+                                          <p:attrName>style.visibility</p:attrName>
+                                        </p:attrNameLst>
+                                      </p:cBhvr>
+                                      <p:to>
+                                        <p:strVal val="visible"/>
+                                      </p:to>
+                                    </p:set>
+                                    <p:animEffect transition="in" filter="fade">
+                                      <p:cBhvr>
+                                        <p:cTn id="7" dur="500"/>
+                                        <p:tgtEl>
+                                          <p:spTgt spid="11">
+                                            <p:txEl>
+                                              <p:pRg st="0" end="0"/>
+                                            </p:txEl>
+                                          </p:spTgt>
+                                        </p:tgtEl>
+                                      </p:cBhvr>
+                                    </p:animEffect>
+                                  </p:childTnLst>
+                                </p:cTn>
+                              </p:par>
+                            </p:childTnLst>
+                          </p:cTn>
+                        </p:par>
+                      </p:childTnLst>
+                    </p:cTn>
+                  </p:par>
+                  <p:par>
+                    <p:cTn id="8" fill="hold">
+                      <p:stCondLst>
+                        <p:cond delay="indefinite"/>
+                      </p:stCondLst>
+                      <p:childTnLst>
+                        <p:par>
+                          <p:cTn id="9" fill="hold">
+                            <p:stCondLst>
+                              <p:cond delay="0"/>
+                            </p:stCondLst>
+                            <p:childTnLst>
+                              <p:par>
+                                <p:cTn id="10" presetID="10" presetClass="entr" presetSubtype="0" fill="hold" nodeType="clickEffect">
+                                  <p:stCondLst>
+                                    <p:cond delay="0"/>
+                                  </p:stCondLst>
+                                  <p:childTnLst>
+                                    <p:set>
+                                      <p:cBhvr>
+                                        <p:cTn id="11" dur="1" fill="hold">
+                                          <p:stCondLst>
+                                            <p:cond delay="0"/>
+                                          </p:stCondLst>
+                                        </p:cTn>
+                                        <p:tgtEl>
+                                          <p:spTgt spid="11">
+                                            <p:txEl>
+                                              <p:pRg st="1" end="1"/>
+                                            </p:txEl>
+                                          </p:spTgt>
+                                        </p:tgtEl>
+                                        <p:attrNameLst>
+                                          <p:attrName>style.visibility</p:attrName>
+                                        </p:attrNameLst>
+                                      </p:cBhvr>
+                                      <p:to>
+                                        <p:strVal val="visible"/>
+                                      </p:to>
+                                    </p:set>
+                                    <p:animEffect transition="in" filter="fade">
+                                      <p:cBhvr>
+                                        <p:cTn id="12" dur="500"/>
+                                        <p:tgtEl>
+                                          <p:spTgt spid="11">
+                                            <p:txEl>
+                                              <p:pRg st="1" end="1"/>
+                                            </p:txEl>
+                                          </p:spTgt>
+                                        </p:tgtEl>
+                                      </p:cBhvr>
+                                    </p:animEffect>
+                                  </p:childTnLst>
+                                </p:cTn>
+                              </p:par>
+                            </p:childTnLst>
+                          </p:cTn>
+                        </p:par>
+                      </p:childTnLst>
+                    </p:cTn>
+                  </p:par>
+                  <p:par>
+                    <p:cTn id="13" fill="hold">
+                      <p:stCondLst>
+                        <p:cond delay="indefinite"/>
+                      </p:stCondLst>
+                      <p:childTnLst>
+                        <p:par>
+                          <p:cTn id="14" fill="hold">
+                            <p:stCondLst>
+                              <p:cond delay="0"/>
+                            </p:stCondLst>
+                            <p:childTnLst>
+                              <p:par>
+                                <p:cTn id="15" presetID="10" presetClass="entr" presetSubtype="0" fill="hold" nodeType="clickEffect">
+                                  <p:stCondLst>
+                                    <p:cond delay="0"/>
+                                  </p:stCondLst>
+                                  <p:childTnLst>
+                                    <p:set>
+                                      <p:cBhvr>
+                                        <p:cTn id="16" dur="1" fill="hold">
+                                          <p:stCondLst>
+                                            <p:cond delay="0"/>
+                                          </p:stCondLst>
+                                        </p:cTn>
+                                        <p:tgtEl>
+                                          <p:spTgt spid="11">
+                                            <p:txEl>
+                                              <p:pRg st="2" end="2"/>
+                                            </p:txEl>
+                                          </p:spTgt>
+                                        </p:tgtEl>
+                                        <p:attrNameLst>
+                                          <p:attrName>style.visibility</p:attrName>
+                                        </p:attrNameLst>
+                                      </p:cBhvr>
+                                      <p:to>
+                                        <p:strVal val="visible"/>
+                                      </p:to>
+                                    </p:set>
+                                    <p:animEffect transition="in" filter="fade">
+                                      <p:cBhvr>
+                                        <p:cTn id="17" dur="500"/>
+                                        <p:tgtEl>
+                                          <p:spTgt spid="11">
+                                            <p:txEl>
+                                              <p:pRg st="2" end="2"/>
+                                            </p:txEl>
+                                          </p:spTgt>
+                                        </p:tgtEl>
+                                      </p:cBhvr>
+                                    </p:animEffect>
+                                  </p:childTnLst>
+                                </p:cTn>
+                              </p:par>
+                            </p:childTnLst>
+                          </p:cTn>
+                        </p:par>
+                      </p:childTnLst>
+                    </p:cTn>
+                  </p:par>
+                  <p:par>
+                    <p:cTn id="18" fill="hold">
+                      <p:stCondLst>
+                        <p:cond delay="indefinite"/>
+                      </p:stCondLst>
+                      <p:childTnLst>
+                        <p:par>
+                          <p:cTn id="19" fill="hold">
+                            <p:stCondLst>
+                              <p:cond delay="0"/>
+                            </p:stCondLst>
+                            <p:childTnLst>
+                              <p:par>
+                                <p:cTn id="20" presetID="10" presetClass="entr" presetSubtype="0" fill="hold" nodeType="clickEffect">
+                                  <p:stCondLst>
+                                    <p:cond delay="0"/>
+                                  </p:stCondLst>
+                                  <p:childTnLst>
+                                    <p:set>
+                                      <p:cBhvr>
+                                        <p:cTn id="21" dur="1" fill="hold">
+                                          <p:stCondLst>
+                                            <p:cond delay="0"/>
+                                          </p:stCondLst>
+                                        </p:cTn>
+                                        <p:tgtEl>
+                                          <p:spTgt spid="11">
+                                            <p:txEl>
+                                              <p:pRg st="3" end="3"/>
+                                            </p:txEl>
+                                          </p:spTgt>
+                                        </p:tgtEl>
+                                        <p:attrNameLst>
+                                          <p:attrName>style.visibility</p:attrName>
+                                        </p:attrNameLst>
+                                      </p:cBhvr>
+                                      <p:to>
+                                        <p:strVal val="visible"/>
+                                      </p:to>
+                                    </p:set>
+                                    <p:animEffect transition="in" filter="fade">
+                                      <p:cBhvr>
+                                        <p:cTn id="22" dur="500"/>
+                                        <p:tgtEl>
+                                          <p:spTgt spid="11">
+                                            <p:txEl>
+                                              <p:pRg st="3" end="3"/>
+                                            </p:txEl>
+                                          </p:spTgt>
+                                        </p:tgtEl>
+                                      </p:cBhvr>
+                                    </p:animEffect>
+                                  </p:childTnLst>
+                                </p:cTn>
+                              </p:par>
+                            </p:childTnLst>
+                          </p:cTn>
+                        </p:par>
+                      </p:childTnLst>
+                    </p:cTn>
+                  </p:par>
+                </p:childTnLst>
+              </p:cTn>
+              <p:prevCondLst>
+                <p:cond evt="onPrev" delay="0">
+                  <p:tgtEl>
+                    <p:sldTgt/>
+                  </p:tgtEl>
+                </p:cond>
+              </p:prevCondLst>
+              <p:nextCondLst>
+                <p:cond evt="onNext" delay="0">
+                  <p:tgtEl>
+                    <p:sldTgt/>
+                  </p:tgtEl>
+                </p:cond>
+              </p:nextCondLst>
+            </p:seq>
+          </p:childTnLst>
+        </p:cTn>
+      </p:par>
+    </p:tnLst>
+  </p:timing>
+</p:sld>
+</file>
+
+<file path=ppt/slides/slide9.xml><?xml version="1.0" encoding="utf-8"?>
 <p:sld xmlns:a="http://schemas.openxmlformats.org/drawingml/2006/main" xmlns:r="http://schemas.openxmlformats.org/officeDocument/2006/relationships" xmlns:p="http://schemas.openxmlformats.org/presentationml/2006/main">
   <p:cSld>
     <p:spTree>
@@ -4602,71 +7819,9 @@
         <p:spPr/>
         <p:txBody>
           <a:bodyPr>
-            <a:normAutofit fontScale="47500" lnSpcReduction="20000"/>
+            <a:normAutofit fontScale="92500" lnSpcReduction="20000"/>
           </a:bodyPr>
           <a:lstStyle/>
-          <a:p>
-            <a:pPr marL="0" indent="0">
-              <a:lnSpc>
-                <a:spcPct val="120000"/>
-              </a:lnSpc>
-              <a:buNone/>
-            </a:pPr>
-            <a:r>
-              <a:rPr lang="en-US" b="1" dirty="0"/>
-              <a:t>Hard Requirements for Multi-Agent</a:t>
-            </a:r>
-            <a:endParaRPr lang="en-US" dirty="0"/>
-          </a:p>
-          <a:p>
-            <a:pPr>
-              <a:lnSpc>
-                <a:spcPct val="120000"/>
-              </a:lnSpc>
-            </a:pPr>
-            <a:r>
-              <a:rPr lang="en-US" b="1" dirty="0"/>
-              <a:t>Physical parallelism with latency constraints</a:t>
-            </a:r>
-            <a:r>
-              <a:rPr lang="en-US" dirty="0"/>
-              <a:t> - When you MUST process in multiple locations simultaneously (edge computing, geographic distribution)</a:t>
-            </a:r>
-          </a:p>
-          <a:p>
-            <a:pPr>
-              <a:lnSpc>
-                <a:spcPct val="120000"/>
-              </a:lnSpc>
-            </a:pPr>
-            <a:r>
-              <a:rPr lang="en-US" b="1" dirty="0"/>
-              <a:t>Regulatory/security boundaries</a:t>
-            </a:r>
-            <a:r>
-              <a:rPr lang="en-US" dirty="0"/>
-              <a:t> - When different parts of the system need different data access, compliance rules, or security clearances</a:t>
-            </a:r>
-          </a:p>
-          <a:p>
-            <a:pPr>
-              <a:lnSpc>
-                <a:spcPct val="120000"/>
-              </a:lnSpc>
-            </a:pPr>
-            <a:r>
-              <a:rPr lang="en-US" b="1" dirty="0"/>
-              <a:t>Organizational boundaries</a:t>
-            </a:r>
-            <a:r>
-              <a:rPr lang="en-US" dirty="0"/>
-              <a:t> - When different teams/companies need to deploy and manage their agents independently</a:t>
-            </a:r>
-            <a:br>
-              <a:rPr lang="en-US" dirty="0"/>
-            </a:br>
-            <a:endParaRPr lang="en-US" dirty="0"/>
-          </a:p>
           <a:p>
             <a:pPr marL="0" indent="0">
               <a:lnSpc>
@@ -5217,250 +8372,6 @@
                       </p:childTnLst>
                     </p:cTn>
                   </p:par>
-                  <p:par>
-                    <p:cTn id="38" fill="hold">
-                      <p:stCondLst>
-                        <p:cond delay="indefinite"/>
-                      </p:stCondLst>
-                      <p:childTnLst>
-                        <p:par>
-                          <p:cTn id="39" fill="hold">
-                            <p:stCondLst>
-                              <p:cond delay="0"/>
-                            </p:stCondLst>
-                            <p:childTnLst>
-                              <p:par>
-                                <p:cTn id="40" presetID="10" presetClass="entr" presetSubtype="0" fill="hold" nodeType="clickEffect">
-                                  <p:stCondLst>
-                                    <p:cond delay="0"/>
-                                  </p:stCondLst>
-                                  <p:childTnLst>
-                                    <p:set>
-                                      <p:cBhvr>
-                                        <p:cTn id="41" dur="1" fill="hold">
-                                          <p:stCondLst>
-                                            <p:cond delay="0"/>
-                                          </p:stCondLst>
-                                        </p:cTn>
-                                        <p:tgtEl>
-                                          <p:spTgt spid="11">
-                                            <p:txEl>
-                                              <p:pRg st="7" end="7"/>
-                                            </p:txEl>
-                                          </p:spTgt>
-                                        </p:tgtEl>
-                                        <p:attrNameLst>
-                                          <p:attrName>style.visibility</p:attrName>
-                                        </p:attrNameLst>
-                                      </p:cBhvr>
-                                      <p:to>
-                                        <p:strVal val="visible"/>
-                                      </p:to>
-                                    </p:set>
-                                    <p:animEffect transition="in" filter="fade">
-                                      <p:cBhvr>
-                                        <p:cTn id="42" dur="500"/>
-                                        <p:tgtEl>
-                                          <p:spTgt spid="11">
-                                            <p:txEl>
-                                              <p:pRg st="7" end="7"/>
-                                            </p:txEl>
-                                          </p:spTgt>
-                                        </p:tgtEl>
-                                      </p:cBhvr>
-                                    </p:animEffect>
-                                  </p:childTnLst>
-                                </p:cTn>
-                              </p:par>
-                            </p:childTnLst>
-                          </p:cTn>
-                        </p:par>
-                      </p:childTnLst>
-                    </p:cTn>
-                  </p:par>
-                  <p:par>
-                    <p:cTn id="43" fill="hold">
-                      <p:stCondLst>
-                        <p:cond delay="indefinite"/>
-                      </p:stCondLst>
-                      <p:childTnLst>
-                        <p:par>
-                          <p:cTn id="44" fill="hold">
-                            <p:stCondLst>
-                              <p:cond delay="0"/>
-                            </p:stCondLst>
-                            <p:childTnLst>
-                              <p:par>
-                                <p:cTn id="45" presetID="10" presetClass="entr" presetSubtype="0" fill="hold" nodeType="clickEffect">
-                                  <p:stCondLst>
-                                    <p:cond delay="0"/>
-                                  </p:stCondLst>
-                                  <p:childTnLst>
-                                    <p:set>
-                                      <p:cBhvr>
-                                        <p:cTn id="46" dur="1" fill="hold">
-                                          <p:stCondLst>
-                                            <p:cond delay="0"/>
-                                          </p:stCondLst>
-                                        </p:cTn>
-                                        <p:tgtEl>
-                                          <p:spTgt spid="11">
-                                            <p:txEl>
-                                              <p:pRg st="8" end="8"/>
-                                            </p:txEl>
-                                          </p:spTgt>
-                                        </p:tgtEl>
-                                        <p:attrNameLst>
-                                          <p:attrName>style.visibility</p:attrName>
-                                        </p:attrNameLst>
-                                      </p:cBhvr>
-                                      <p:to>
-                                        <p:strVal val="visible"/>
-                                      </p:to>
-                                    </p:set>
-                                    <p:animEffect transition="in" filter="fade">
-                                      <p:cBhvr>
-                                        <p:cTn id="47" dur="500"/>
-                                        <p:tgtEl>
-                                          <p:spTgt spid="11">
-                                            <p:txEl>
-                                              <p:pRg st="8" end="8"/>
-                                            </p:txEl>
-                                          </p:spTgt>
-                                        </p:tgtEl>
-                                      </p:cBhvr>
-                                    </p:animEffect>
-                                  </p:childTnLst>
-                                </p:cTn>
-                              </p:par>
-                            </p:childTnLst>
-                          </p:cTn>
-                        </p:par>
-                      </p:childTnLst>
-                    </p:cTn>
-                  </p:par>
-                  <p:par>
-                    <p:cTn id="48" fill="hold">
-                      <p:stCondLst>
-                        <p:cond delay="indefinite"/>
-                      </p:stCondLst>
-                      <p:childTnLst>
-                        <p:par>
-                          <p:cTn id="49" fill="hold">
-                            <p:stCondLst>
-                              <p:cond delay="0"/>
-                            </p:stCondLst>
-                            <p:childTnLst>
-                              <p:par>
-                                <p:cTn id="50" presetID="10" presetClass="entr" presetSubtype="0" fill="hold" nodeType="clickEffect">
-                                  <p:stCondLst>
-                                    <p:cond delay="0"/>
-                                  </p:stCondLst>
-                                  <p:childTnLst>
-                                    <p:set>
-                                      <p:cBhvr>
-                                        <p:cTn id="51" dur="1" fill="hold">
-                                          <p:stCondLst>
-                                            <p:cond delay="0"/>
-                                          </p:stCondLst>
-                                        </p:cTn>
-                                        <p:tgtEl>
-                                          <p:spTgt spid="11">
-                                            <p:txEl>
-                                              <p:pRg st="9" end="9"/>
-                                            </p:txEl>
-                                          </p:spTgt>
-                                        </p:tgtEl>
-                                        <p:attrNameLst>
-                                          <p:attrName>style.visibility</p:attrName>
-                                        </p:attrNameLst>
-                                      </p:cBhvr>
-                                      <p:to>
-                                        <p:strVal val="visible"/>
-                                      </p:to>
-                                    </p:set>
-                                    <p:animEffect transition="in" filter="fade">
-                                      <p:cBhvr>
-                                        <p:cTn id="52" dur="500"/>
-                                        <p:tgtEl>
-                                          <p:spTgt spid="11">
-                                            <p:txEl>
-                                              <p:pRg st="9" end="9"/>
-                                            </p:txEl>
-                                          </p:spTgt>
-                                        </p:tgtEl>
-                                      </p:cBhvr>
-                                    </p:animEffect>
-                                  </p:childTnLst>
-                                </p:cTn>
-                              </p:par>
-                            </p:childTnLst>
-                          </p:cTn>
-                        </p:par>
-                      </p:childTnLst>
-                    </p:cTn>
-                  </p:par>
-                  <p:par>
-                    <p:cTn id="53" fill="hold">
-                      <p:stCondLst>
-                        <p:cond delay="indefinite"/>
-                      </p:stCondLst>
-                      <p:childTnLst>
-                        <p:par>
-                          <p:cTn id="54" fill="hold">
-                            <p:stCondLst>
-                              <p:cond delay="0"/>
-                            </p:stCondLst>
-                            <p:childTnLst>
-                              <p:par>
-                                <p:cTn id="55" presetID="10" presetClass="entr" presetSubtype="0" fill="hold" nodeType="clickEffect">
-                                  <p:stCondLst>
-                                    <p:cond delay="0"/>
-                                  </p:stCondLst>
-                                  <p:childTnLst>
-                                    <p:set>
-                                      <p:cBhvr>
-                                        <p:cTn id="56" dur="1" fill="hold">
-                                          <p:stCondLst>
-                                            <p:cond delay="0"/>
-                                          </p:stCondLst>
-                                        </p:cTn>
-                                        <p:tgtEl>
-                                          <p:spTgt spid="11">
-                                            <p:txEl>
-                                              <p:pRg st="10" end="10"/>
-                                            </p:txEl>
-                                          </p:spTgt>
-                                        </p:tgtEl>
-                                        <p:attrNameLst>
-                                          <p:attrName>style.visibility</p:attrName>
-                                        </p:attrNameLst>
-                                      </p:cBhvr>
-                                      <p:to>
-                                        <p:strVal val="visible"/>
-                                      </p:to>
-                                    </p:set>
-                                    <p:animEffect transition="in" filter="fade">
-                                      <p:cBhvr>
-                                        <p:cTn id="57" dur="500"/>
-                                        <p:tgtEl>
-                                          <p:spTgt spid="11">
-                                            <p:txEl>
-                                              <p:pRg st="10" end="10"/>
-                                            </p:txEl>
-                                          </p:spTgt>
-                                        </p:tgtEl>
-                                      </p:cBhvr>
-                                    </p:animEffect>
-                                  </p:childTnLst>
-                                </p:cTn>
-                              </p:par>
-                            </p:childTnLst>
-                          </p:cTn>
-                        </p:par>
-                      </p:childTnLst>
-                    </p:cTn>
-                  </p:par>
                 </p:childTnLst>
               </p:cTn>
               <p:prevCondLst>
@@ -5483,126 +8394,6 @@
       </p:par>
     </p:tnLst>
   </p:timing>
-</p:sld>
-</file>
-
-<file path=ppt/slides/slide6.xml><?xml version="1.0" encoding="utf-8"?>
-<p:sld xmlns:a="http://schemas.openxmlformats.org/drawingml/2006/main" xmlns:r="http://schemas.openxmlformats.org/officeDocument/2006/relationships" xmlns:p="http://schemas.openxmlformats.org/presentationml/2006/main">
-  <p:cSld>
-    <p:spTree>
-      <p:nvGrpSpPr>
-        <p:cNvPr id="1" name=""/>
-        <p:cNvGrpSpPr/>
-        <p:nvPr/>
-      </p:nvGrpSpPr>
-      <p:grpSpPr>
-        <a:xfrm>
-          <a:off x="0" y="0"/>
-          <a:ext cx="0" cy="0"/>
-          <a:chOff x="0" y="0"/>
-          <a:chExt cx="0" cy="0"/>
-        </a:xfrm>
-      </p:grpSpPr>
-      <p:pic>
-        <p:nvPicPr>
-          <p:cNvPr id="4" name="Picture 3" descr="Multi-agent system workflow diagram showing user input routed between researcher and chart generator agents via a router and call tool">
-            <a:extLst>
-              <a:ext uri="{FF2B5EF4-FFF2-40B4-BE49-F238E27FC236}">
-                <a16:creationId xmlns:a16="http://schemas.microsoft.com/office/drawing/2014/main" id="{C52CD8EF-F7FD-BE44-9B2F-44C9C3A52A67}"/>
-              </a:ext>
-            </a:extLst>
-          </p:cNvPr>
-          <p:cNvPicPr>
-            <a:picLocks noChangeAspect="1"/>
-          </p:cNvPicPr>
-          <p:nvPr/>
-        </p:nvPicPr>
-        <p:blipFill>
-          <a:blip r:embed="rId2"/>
-          <a:stretch>
-            <a:fillRect/>
-          </a:stretch>
-        </p:blipFill>
-        <p:spPr>
-          <a:xfrm>
-            <a:off x="2193345" y="943344"/>
-            <a:ext cx="8038523" cy="5730588"/>
-          </a:xfrm>
-          <a:prstGeom prst="rect">
-            <a:avLst/>
-          </a:prstGeom>
-        </p:spPr>
-      </p:pic>
-    </p:spTree>
-    <p:extLst>
-      <p:ext uri="{BB962C8B-B14F-4D97-AF65-F5344CB8AC3E}">
-        <p14:creationId xmlns:p14="http://schemas.microsoft.com/office/powerpoint/2010/main" val="637671780"/>
-      </p:ext>
-    </p:extLst>
-  </p:cSld>
-  <p:clrMapOvr>
-    <a:masterClrMapping/>
-  </p:clrMapOvr>
-</p:sld>
-</file>
-
-<file path=ppt/slides/slide7.xml><?xml version="1.0" encoding="utf-8"?>
-<p:sld xmlns:a="http://schemas.openxmlformats.org/drawingml/2006/main" xmlns:r="http://schemas.openxmlformats.org/officeDocument/2006/relationships" xmlns:p="http://schemas.openxmlformats.org/presentationml/2006/main">
-  <p:cSld>
-    <p:spTree>
-      <p:nvGrpSpPr>
-        <p:cNvPr id="1" name=""/>
-        <p:cNvGrpSpPr/>
-        <p:nvPr/>
-      </p:nvGrpSpPr>
-      <p:grpSpPr>
-        <a:xfrm>
-          <a:off x="0" y="0"/>
-          <a:ext cx="0" cy="0"/>
-          <a:chOff x="0" y="0"/>
-          <a:chExt cx="0" cy="0"/>
-        </a:xfrm>
-      </p:grpSpPr>
-      <p:pic>
-        <p:nvPicPr>
-          <p:cNvPr id="2" name="Picture 1" descr="../../images/agents_dr.png">
-            <a:extLst>
-              <a:ext uri="{FF2B5EF4-FFF2-40B4-BE49-F238E27FC236}">
-                <a16:creationId xmlns:a16="http://schemas.microsoft.com/office/drawing/2014/main" id="{BAD89CA7-7696-26F6-1F91-44300C94D669}"/>
-              </a:ext>
-            </a:extLst>
-          </p:cNvPr>
-          <p:cNvPicPr>
-            <a:picLocks noChangeAspect="1"/>
-          </p:cNvPicPr>
-          <p:nvPr/>
-        </p:nvPicPr>
-        <p:blipFill>
-          <a:blip r:embed="rId2"/>
-          <a:stretch>
-            <a:fillRect/>
-          </a:stretch>
-        </p:blipFill>
-        <p:spPr>
-          <a:xfrm>
-            <a:off x="387846" y="2450867"/>
-            <a:ext cx="11234493" cy="2211339"/>
-          </a:xfrm>
-          <a:prstGeom prst="rect">
-            <a:avLst/>
-          </a:prstGeom>
-        </p:spPr>
-      </p:pic>
-    </p:spTree>
-    <p:extLst>
-      <p:ext uri="{BB962C8B-B14F-4D97-AF65-F5344CB8AC3E}">
-        <p14:creationId xmlns:p14="http://schemas.microsoft.com/office/powerpoint/2010/main" val="1789286887"/>
-      </p:ext>
-    </p:extLst>
-  </p:cSld>
-  <p:clrMapOvr>
-    <a:masterClrMapping/>
-  </p:clrMapOvr>
 </p:sld>
 </file>
 
